--- a/Diapo-22-10-2022.pptx
+++ b/Diapo-22-10-2022.pptx
@@ -11129,8 +11129,8 @@
           <a:lstStyle/>
           <a:p>
             <a:r>
-              <a:rPr lang="en-US" sz="3600" dirty="0" err="1"/>
-              <a:t>Opti’Fruit</a:t>
+              <a:rPr lang="en-US" sz="3600"/>
+              <a:t>Opti’Fruits</a:t>
             </a:r>
             <a:endParaRPr lang="en-US" sz="3600" dirty="0"/>
           </a:p>

--- a/Diapo-22-10-2022.pptx
+++ b/Diapo-22-10-2022.pptx
@@ -21,8 +21,8 @@
     <p:sldId id="272" r:id="rId9"/>
     <p:sldId id="273" r:id="rId10"/>
     <p:sldId id="275" r:id="rId11"/>
-    <p:sldId id="274" r:id="rId12"/>
-    <p:sldId id="271" r:id="rId13"/>
+    <p:sldId id="271" r:id="rId12"/>
+    <p:sldId id="274" r:id="rId13"/>
     <p:sldId id="259" r:id="rId14"/>
     <p:sldId id="262" r:id="rId15"/>
     <p:sldId id="263" r:id="rId16"/>
@@ -14342,6 +14342,608 @@
           <p:cNvPr id="2" name="Titre 1">
             <a:extLst>
               <a:ext uri="{FF2B5EF4-FFF2-40B4-BE49-F238E27FC236}">
+                <a16:creationId xmlns:a16="http://schemas.microsoft.com/office/drawing/2014/main" id="{4F696841-9266-CE2F-8987-C8128F4D1250}"/>
+              </a:ext>
+            </a:extLst>
+          </p:cNvPr>
+          <p:cNvSpPr>
+            <a:spLocks noGrp="1"/>
+          </p:cNvSpPr>
+          <p:nvPr>
+            <p:ph type="title"/>
+          </p:nvPr>
+        </p:nvSpPr>
+        <p:spPr>
+          <a:xfrm>
+            <a:off x="1945201" y="624110"/>
+            <a:ext cx="6875271" cy="1280890"/>
+          </a:xfrm>
+        </p:spPr>
+        <p:txBody>
+          <a:bodyPr>
+            <a:normAutofit/>
+          </a:bodyPr>
+          <a:lstStyle/>
+          <a:p>
+            <a:r>
+              <a:rPr lang="fr-FR" dirty="0">
+                <a:latin typeface="Cambria" panose="02040503050406030204" pitchFamily="18" charset="0"/>
+                <a:ea typeface="Cambria" panose="02040503050406030204" pitchFamily="18" charset="0"/>
+              </a:rPr>
+              <a:t>Gestion de projet : analyse SWOT</a:t>
+            </a:r>
+          </a:p>
+        </p:txBody>
+      </p:sp>
+      <p:sp>
+        <p:nvSpPr>
+          <p:cNvPr id="8" name="Espace réservé du numéro de diapositive 7">
+            <a:extLst>
+              <a:ext uri="{FF2B5EF4-FFF2-40B4-BE49-F238E27FC236}">
+                <a16:creationId xmlns:a16="http://schemas.microsoft.com/office/drawing/2014/main" id="{02A5D419-072A-9418-1A76-2BC15D8299B5}"/>
+              </a:ext>
+            </a:extLst>
+          </p:cNvPr>
+          <p:cNvSpPr>
+            <a:spLocks noGrp="1"/>
+          </p:cNvSpPr>
+          <p:nvPr>
+            <p:ph type="sldNum" sz="quarter" idx="12"/>
+          </p:nvPr>
+        </p:nvSpPr>
+        <p:spPr/>
+        <p:txBody>
+          <a:bodyPr/>
+          <a:lstStyle/>
+          <a:p>
+            <a:fld id="{DE95875A-490E-4E39-B159-6AEC903BC20C}" type="slidenum">
+              <a:rPr lang="fr-FR" smtClean="0"/>
+              <a:t>11</a:t>
+            </a:fld>
+            <a:endParaRPr lang="fr-FR" dirty="0"/>
+          </a:p>
+        </p:txBody>
+      </p:sp>
+      <p:pic>
+        <p:nvPicPr>
+          <p:cNvPr id="1026" name="Picture 2">
+            <a:extLst>
+              <a:ext uri="{FF2B5EF4-FFF2-40B4-BE49-F238E27FC236}">
+                <a16:creationId xmlns:a16="http://schemas.microsoft.com/office/drawing/2014/main" id="{E2C296D3-84C9-8771-9B72-70D7B0764A15}"/>
+              </a:ext>
+            </a:extLst>
+          </p:cNvPr>
+          <p:cNvPicPr>
+            <a:picLocks noChangeAspect="1" noChangeArrowheads="1"/>
+          </p:cNvPicPr>
+          <p:nvPr/>
+        </p:nvPicPr>
+        <p:blipFill>
+          <a:blip r:embed="rId2">
+            <a:extLst>
+              <a:ext uri="{28A0092B-C50C-407E-A947-70E740481C1C}">
+                <a14:useLocalDpi xmlns:a14="http://schemas.microsoft.com/office/drawing/2010/main" val="0"/>
+              </a:ext>
+            </a:extLst>
+          </a:blip>
+          <a:srcRect/>
+          <a:stretch>
+            <a:fillRect/>
+          </a:stretch>
+        </p:blipFill>
+        <p:spPr bwMode="auto">
+          <a:xfrm>
+            <a:off x="1632807" y="1700808"/>
+            <a:ext cx="5878385" cy="4408789"/>
+          </a:xfrm>
+          <a:prstGeom prst="rect">
+            <a:avLst/>
+          </a:prstGeom>
+          <a:noFill/>
+          <a:extLst>
+            <a:ext uri="{909E8E84-426E-40DD-AFC4-6F175D3DCCD1}">
+              <a14:hiddenFill xmlns:a14="http://schemas.microsoft.com/office/drawing/2010/main">
+                <a:solidFill>
+                  <a:srgbClr val="FFFFFF"/>
+                </a:solidFill>
+              </a14:hiddenFill>
+            </a:ext>
+          </a:extLst>
+        </p:spPr>
+      </p:pic>
+      <p:sp>
+        <p:nvSpPr>
+          <p:cNvPr id="6" name="Rectangle 5">
+            <a:extLst>
+              <a:ext uri="{FF2B5EF4-FFF2-40B4-BE49-F238E27FC236}">
+                <a16:creationId xmlns:a16="http://schemas.microsoft.com/office/drawing/2014/main" id="{2C1D15D3-15AA-3532-B8C5-6A7D20CCFFF0}"/>
+              </a:ext>
+            </a:extLst>
+          </p:cNvPr>
+          <p:cNvSpPr/>
+          <p:nvPr/>
+        </p:nvSpPr>
+        <p:spPr>
+          <a:xfrm>
+            <a:off x="4573029" y="1700808"/>
+            <a:ext cx="2939192" cy="2232248"/>
+          </a:xfrm>
+          <a:prstGeom prst="rect">
+            <a:avLst/>
+          </a:prstGeom>
+          <a:solidFill>
+            <a:srgbClr val="F4F7EA"/>
+          </a:solidFill>
+          <a:ln>
+            <a:noFill/>
+          </a:ln>
+        </p:spPr>
+        <p:style>
+          <a:lnRef idx="2">
+            <a:schemeClr val="accent1">
+              <a:shade val="50000"/>
+            </a:schemeClr>
+          </a:lnRef>
+          <a:fillRef idx="1">
+            <a:schemeClr val="accent1"/>
+          </a:fillRef>
+          <a:effectRef idx="0">
+            <a:schemeClr val="accent1"/>
+          </a:effectRef>
+          <a:fontRef idx="minor">
+            <a:schemeClr val="lt1"/>
+          </a:fontRef>
+        </p:style>
+        <p:txBody>
+          <a:bodyPr rtlCol="0" anchor="ctr"/>
+          <a:lstStyle/>
+          <a:p>
+            <a:pPr algn="ctr"/>
+            <a:endParaRPr lang="fr-FR" sz="1350" dirty="0"/>
+          </a:p>
+        </p:txBody>
+      </p:sp>
+      <p:sp>
+        <p:nvSpPr>
+          <p:cNvPr id="10" name="Rectangle 9">
+            <a:extLst>
+              <a:ext uri="{FF2B5EF4-FFF2-40B4-BE49-F238E27FC236}">
+                <a16:creationId xmlns:a16="http://schemas.microsoft.com/office/drawing/2014/main" id="{8B9B95E0-882D-21BE-B426-5B84E890E18A}"/>
+              </a:ext>
+            </a:extLst>
+          </p:cNvPr>
+          <p:cNvSpPr/>
+          <p:nvPr/>
+        </p:nvSpPr>
+        <p:spPr>
+          <a:xfrm>
+            <a:off x="1632805" y="3897247"/>
+            <a:ext cx="2939192" cy="2232248"/>
+          </a:xfrm>
+          <a:prstGeom prst="rect">
+            <a:avLst/>
+          </a:prstGeom>
+          <a:solidFill>
+            <a:srgbClr val="F4F7EA"/>
+          </a:solidFill>
+          <a:ln>
+            <a:noFill/>
+          </a:ln>
+        </p:spPr>
+        <p:style>
+          <a:lnRef idx="2">
+            <a:schemeClr val="accent1">
+              <a:shade val="50000"/>
+            </a:schemeClr>
+          </a:lnRef>
+          <a:fillRef idx="1">
+            <a:schemeClr val="accent1"/>
+          </a:fillRef>
+          <a:effectRef idx="0">
+            <a:schemeClr val="accent1"/>
+          </a:effectRef>
+          <a:fontRef idx="minor">
+            <a:schemeClr val="lt1"/>
+          </a:fontRef>
+        </p:style>
+        <p:txBody>
+          <a:bodyPr rtlCol="0" anchor="ctr"/>
+          <a:lstStyle/>
+          <a:p>
+            <a:pPr algn="ctr"/>
+            <a:endParaRPr lang="fr-FR" sz="1350" dirty="0"/>
+          </a:p>
+        </p:txBody>
+      </p:sp>
+      <p:sp>
+        <p:nvSpPr>
+          <p:cNvPr id="11" name="Rectangle 10">
+            <a:extLst>
+              <a:ext uri="{FF2B5EF4-FFF2-40B4-BE49-F238E27FC236}">
+                <a16:creationId xmlns:a16="http://schemas.microsoft.com/office/drawing/2014/main" id="{AF0C9413-F8A5-83E6-7526-6644E0748C7C}"/>
+              </a:ext>
+            </a:extLst>
+          </p:cNvPr>
+          <p:cNvSpPr/>
+          <p:nvPr/>
+        </p:nvSpPr>
+        <p:spPr>
+          <a:xfrm>
+            <a:off x="1630744" y="1664999"/>
+            <a:ext cx="2939192" cy="2232248"/>
+          </a:xfrm>
+          <a:prstGeom prst="rect">
+            <a:avLst/>
+          </a:prstGeom>
+          <a:solidFill>
+            <a:srgbClr val="F4F7EA"/>
+          </a:solidFill>
+          <a:ln>
+            <a:noFill/>
+          </a:ln>
+        </p:spPr>
+        <p:style>
+          <a:lnRef idx="2">
+            <a:schemeClr val="accent1">
+              <a:shade val="50000"/>
+            </a:schemeClr>
+          </a:lnRef>
+          <a:fillRef idx="1">
+            <a:schemeClr val="accent1"/>
+          </a:fillRef>
+          <a:effectRef idx="0">
+            <a:schemeClr val="accent1"/>
+          </a:effectRef>
+          <a:fontRef idx="minor">
+            <a:schemeClr val="lt1"/>
+          </a:fontRef>
+        </p:style>
+        <p:txBody>
+          <a:bodyPr rtlCol="0" anchor="ctr"/>
+          <a:lstStyle/>
+          <a:p>
+            <a:pPr algn="ctr"/>
+            <a:endParaRPr lang="fr-FR" sz="1350" dirty="0">
+              <a:solidFill>
+                <a:srgbClr val="EFF4E2"/>
+              </a:solidFill>
+            </a:endParaRPr>
+          </a:p>
+        </p:txBody>
+      </p:sp>
+      <p:sp>
+        <p:nvSpPr>
+          <p:cNvPr id="12" name="Rectangle 11">
+            <a:extLst>
+              <a:ext uri="{FF2B5EF4-FFF2-40B4-BE49-F238E27FC236}">
+                <a16:creationId xmlns:a16="http://schemas.microsoft.com/office/drawing/2014/main" id="{53D5AB21-4ABC-4C07-2292-48169D16B564}"/>
+              </a:ext>
+            </a:extLst>
+          </p:cNvPr>
+          <p:cNvSpPr/>
+          <p:nvPr/>
+        </p:nvSpPr>
+        <p:spPr>
+          <a:xfrm>
+            <a:off x="4574058" y="3877349"/>
+            <a:ext cx="2939192" cy="2232248"/>
+          </a:xfrm>
+          <a:prstGeom prst="rect">
+            <a:avLst/>
+          </a:prstGeom>
+          <a:solidFill>
+            <a:srgbClr val="F4F7EA"/>
+          </a:solidFill>
+          <a:ln>
+            <a:noFill/>
+          </a:ln>
+        </p:spPr>
+        <p:style>
+          <a:lnRef idx="2">
+            <a:schemeClr val="accent1">
+              <a:shade val="50000"/>
+            </a:schemeClr>
+          </a:lnRef>
+          <a:fillRef idx="1">
+            <a:schemeClr val="accent1"/>
+          </a:fillRef>
+          <a:effectRef idx="0">
+            <a:schemeClr val="accent1"/>
+          </a:effectRef>
+          <a:fontRef idx="minor">
+            <a:schemeClr val="lt1"/>
+          </a:fontRef>
+        </p:style>
+        <p:txBody>
+          <a:bodyPr rtlCol="0" anchor="ctr"/>
+          <a:lstStyle/>
+          <a:p>
+            <a:pPr algn="ctr"/>
+            <a:endParaRPr lang="fr-FR" sz="1350" dirty="0"/>
+          </a:p>
+        </p:txBody>
+      </p:sp>
+      <p:pic>
+        <p:nvPicPr>
+          <p:cNvPr id="9" name="Image 8">
+            <a:extLst>
+              <a:ext uri="{FF2B5EF4-FFF2-40B4-BE49-F238E27FC236}">
+                <a16:creationId xmlns:a16="http://schemas.microsoft.com/office/drawing/2014/main" id="{79747306-4086-9F4F-26B3-9C44C2079074}"/>
+              </a:ext>
+            </a:extLst>
+          </p:cNvPr>
+          <p:cNvPicPr>
+            <a:picLocks noChangeAspect="1"/>
+          </p:cNvPicPr>
+          <p:nvPr/>
+        </p:nvPicPr>
+        <p:blipFill>
+          <a:blip r:embed="rId3"/>
+          <a:stretch>
+            <a:fillRect/>
+          </a:stretch>
+        </p:blipFill>
+        <p:spPr>
+          <a:xfrm>
+            <a:off x="3948323" y="3284984"/>
+            <a:ext cx="1247354" cy="1258851"/>
+          </a:xfrm>
+          <a:prstGeom prst="rect">
+            <a:avLst/>
+          </a:prstGeom>
+        </p:spPr>
+      </p:pic>
+    </p:spTree>
+    <p:extLst>
+      <p:ext uri="{BB962C8B-B14F-4D97-AF65-F5344CB8AC3E}">
+        <p14:creationId xmlns:p14="http://schemas.microsoft.com/office/powerpoint/2010/main" val="1733484957"/>
+      </p:ext>
+    </p:extLst>
+  </p:cSld>
+  <p:clrMapOvr>
+    <a:masterClrMapping/>
+  </p:clrMapOvr>
+  <p:timing>
+    <p:tnLst>
+      <p:par>
+        <p:cTn id="1" dur="indefinite" restart="never" nodeType="tmRoot">
+          <p:childTnLst>
+            <p:seq concurrent="1" nextAc="seek">
+              <p:cTn id="2" dur="indefinite" nodeType="mainSeq">
+                <p:childTnLst>
+                  <p:par>
+                    <p:cTn id="3" fill="hold">
+                      <p:stCondLst>
+                        <p:cond delay="indefinite"/>
+                      </p:stCondLst>
+                      <p:childTnLst>
+                        <p:par>
+                          <p:cTn id="4" fill="hold">
+                            <p:stCondLst>
+                              <p:cond delay="0"/>
+                            </p:stCondLst>
+                            <p:childTnLst>
+                              <p:par>
+                                <p:cTn id="5" presetID="1" presetClass="exit" presetSubtype="0" fill="hold" grpId="0" nodeType="clickEffect">
+                                  <p:stCondLst>
+                                    <p:cond delay="0"/>
+                                  </p:stCondLst>
+                                  <p:childTnLst>
+                                    <p:set>
+                                      <p:cBhvr>
+                                        <p:cTn id="6" dur="1" fill="hold">
+                                          <p:stCondLst>
+                                            <p:cond delay="0"/>
+                                          </p:stCondLst>
+                                        </p:cTn>
+                                        <p:tgtEl>
+                                          <p:spTgt spid="11"/>
+                                        </p:tgtEl>
+                                        <p:attrNameLst>
+                                          <p:attrName>style.visibility</p:attrName>
+                                        </p:attrNameLst>
+                                      </p:cBhvr>
+                                      <p:to>
+                                        <p:strVal val="hidden"/>
+                                      </p:to>
+                                    </p:set>
+                                  </p:childTnLst>
+                                </p:cTn>
+                              </p:par>
+                            </p:childTnLst>
+                          </p:cTn>
+                        </p:par>
+                      </p:childTnLst>
+                    </p:cTn>
+                  </p:par>
+                  <p:par>
+                    <p:cTn id="7" fill="hold">
+                      <p:stCondLst>
+                        <p:cond delay="indefinite"/>
+                      </p:stCondLst>
+                      <p:childTnLst>
+                        <p:par>
+                          <p:cTn id="8" fill="hold">
+                            <p:stCondLst>
+                              <p:cond delay="0"/>
+                            </p:stCondLst>
+                            <p:childTnLst>
+                              <p:par>
+                                <p:cTn id="9" presetID="1" presetClass="exit" presetSubtype="0" fill="hold" grpId="0" nodeType="clickEffect">
+                                  <p:stCondLst>
+                                    <p:cond delay="0"/>
+                                  </p:stCondLst>
+                                  <p:childTnLst>
+                                    <p:set>
+                                      <p:cBhvr>
+                                        <p:cTn id="10" dur="1" fill="hold">
+                                          <p:stCondLst>
+                                            <p:cond delay="0"/>
+                                          </p:stCondLst>
+                                        </p:cTn>
+                                        <p:tgtEl>
+                                          <p:spTgt spid="6"/>
+                                        </p:tgtEl>
+                                        <p:attrNameLst>
+                                          <p:attrName>style.visibility</p:attrName>
+                                        </p:attrNameLst>
+                                      </p:cBhvr>
+                                      <p:to>
+                                        <p:strVal val="hidden"/>
+                                      </p:to>
+                                    </p:set>
+                                  </p:childTnLst>
+                                </p:cTn>
+                              </p:par>
+                            </p:childTnLst>
+                          </p:cTn>
+                        </p:par>
+                      </p:childTnLst>
+                    </p:cTn>
+                  </p:par>
+                  <p:par>
+                    <p:cTn id="11" fill="hold">
+                      <p:stCondLst>
+                        <p:cond delay="indefinite"/>
+                      </p:stCondLst>
+                      <p:childTnLst>
+                        <p:par>
+                          <p:cTn id="12" fill="hold">
+                            <p:stCondLst>
+                              <p:cond delay="0"/>
+                            </p:stCondLst>
+                            <p:childTnLst>
+                              <p:par>
+                                <p:cTn id="13" presetID="1" presetClass="exit" presetSubtype="0" fill="hold" grpId="0" nodeType="clickEffect">
+                                  <p:stCondLst>
+                                    <p:cond delay="0"/>
+                                  </p:stCondLst>
+                                  <p:childTnLst>
+                                    <p:set>
+                                      <p:cBhvr>
+                                        <p:cTn id="14" dur="1" fill="hold">
+                                          <p:stCondLst>
+                                            <p:cond delay="0"/>
+                                          </p:stCondLst>
+                                        </p:cTn>
+                                        <p:tgtEl>
+                                          <p:spTgt spid="10"/>
+                                        </p:tgtEl>
+                                        <p:attrNameLst>
+                                          <p:attrName>style.visibility</p:attrName>
+                                        </p:attrNameLst>
+                                      </p:cBhvr>
+                                      <p:to>
+                                        <p:strVal val="hidden"/>
+                                      </p:to>
+                                    </p:set>
+                                  </p:childTnLst>
+                                </p:cTn>
+                              </p:par>
+                            </p:childTnLst>
+                          </p:cTn>
+                        </p:par>
+                      </p:childTnLst>
+                    </p:cTn>
+                  </p:par>
+                  <p:par>
+                    <p:cTn id="15" fill="hold">
+                      <p:stCondLst>
+                        <p:cond delay="indefinite"/>
+                      </p:stCondLst>
+                      <p:childTnLst>
+                        <p:par>
+                          <p:cTn id="16" fill="hold">
+                            <p:stCondLst>
+                              <p:cond delay="0"/>
+                            </p:stCondLst>
+                            <p:childTnLst>
+                              <p:par>
+                                <p:cTn id="17" presetID="1" presetClass="exit" presetSubtype="0" fill="hold" grpId="0" nodeType="clickEffect">
+                                  <p:stCondLst>
+                                    <p:cond delay="0"/>
+                                  </p:stCondLst>
+                                  <p:childTnLst>
+                                    <p:set>
+                                      <p:cBhvr>
+                                        <p:cTn id="18" dur="1" fill="hold">
+                                          <p:stCondLst>
+                                            <p:cond delay="0"/>
+                                          </p:stCondLst>
+                                        </p:cTn>
+                                        <p:tgtEl>
+                                          <p:spTgt spid="12"/>
+                                        </p:tgtEl>
+                                        <p:attrNameLst>
+                                          <p:attrName>style.visibility</p:attrName>
+                                        </p:attrNameLst>
+                                      </p:cBhvr>
+                                      <p:to>
+                                        <p:strVal val="hidden"/>
+                                      </p:to>
+                                    </p:set>
+                                  </p:childTnLst>
+                                </p:cTn>
+                              </p:par>
+                            </p:childTnLst>
+                          </p:cTn>
+                        </p:par>
+                      </p:childTnLst>
+                    </p:cTn>
+                  </p:par>
+                </p:childTnLst>
+              </p:cTn>
+              <p:prevCondLst>
+                <p:cond evt="onPrev" delay="0">
+                  <p:tgtEl>
+                    <p:sldTgt/>
+                  </p:tgtEl>
+                </p:cond>
+              </p:prevCondLst>
+              <p:nextCondLst>
+                <p:cond evt="onNext" delay="0">
+                  <p:tgtEl>
+                    <p:sldTgt/>
+                  </p:tgtEl>
+                </p:cond>
+              </p:nextCondLst>
+            </p:seq>
+          </p:childTnLst>
+        </p:cTn>
+      </p:par>
+    </p:tnLst>
+    <p:bldLst>
+      <p:bldP spid="6" grpId="0" animBg="1"/>
+      <p:bldP spid="10" grpId="0" animBg="1"/>
+      <p:bldP spid="11" grpId="0" animBg="1"/>
+      <p:bldP spid="12" grpId="0" animBg="1"/>
+    </p:bldLst>
+  </p:timing>
+</p:sld>
+</file>
+
+<file path=ppt/slides/slide12.xml><?xml version="1.0" encoding="utf-8"?>
+<p:sld xmlns:a="http://schemas.openxmlformats.org/drawingml/2006/main" xmlns:r="http://schemas.openxmlformats.org/officeDocument/2006/relationships" xmlns:p="http://schemas.openxmlformats.org/presentationml/2006/main">
+  <p:cSld>
+    <p:spTree>
+      <p:nvGrpSpPr>
+        <p:cNvPr id="1" name=""/>
+        <p:cNvGrpSpPr/>
+        <p:nvPr/>
+      </p:nvGrpSpPr>
+      <p:grpSpPr>
+        <a:xfrm>
+          <a:off x="0" y="0"/>
+          <a:ext cx="0" cy="0"/>
+          <a:chOff x="0" y="0"/>
+          <a:chExt cx="0" cy="0"/>
+        </a:xfrm>
+      </p:grpSpPr>
+      <p:sp>
+        <p:nvSpPr>
+          <p:cNvPr id="2" name="Titre 1">
+            <a:extLst>
+              <a:ext uri="{FF2B5EF4-FFF2-40B4-BE49-F238E27FC236}">
                 <a16:creationId xmlns:a16="http://schemas.microsoft.com/office/drawing/2014/main" id="{7CBDACE7-3AA8-7FDF-6BCF-5D8E38B1130D}"/>
               </a:ext>
             </a:extLst>
@@ -23634,7 +24236,7 @@
           <a:p>
             <a:fld id="{DE95875A-490E-4E39-B159-6AEC903BC20C}" type="slidenum">
               <a:rPr lang="fr-FR" smtClean="0"/>
-              <a:t>11</a:t>
+              <a:t>12</a:t>
             </a:fld>
             <a:endParaRPr lang="fr-FR"/>
           </a:p>
@@ -24569,608 +25171,6 @@
 </p:sld>
 </file>
 
-<file path=ppt/slides/slide12.xml><?xml version="1.0" encoding="utf-8"?>
-<p:sld xmlns:a="http://schemas.openxmlformats.org/drawingml/2006/main" xmlns:r="http://schemas.openxmlformats.org/officeDocument/2006/relationships" xmlns:p="http://schemas.openxmlformats.org/presentationml/2006/main">
-  <p:cSld>
-    <p:spTree>
-      <p:nvGrpSpPr>
-        <p:cNvPr id="1" name=""/>
-        <p:cNvGrpSpPr/>
-        <p:nvPr/>
-      </p:nvGrpSpPr>
-      <p:grpSpPr>
-        <a:xfrm>
-          <a:off x="0" y="0"/>
-          <a:ext cx="0" cy="0"/>
-          <a:chOff x="0" y="0"/>
-          <a:chExt cx="0" cy="0"/>
-        </a:xfrm>
-      </p:grpSpPr>
-      <p:sp>
-        <p:nvSpPr>
-          <p:cNvPr id="2" name="Titre 1">
-            <a:extLst>
-              <a:ext uri="{FF2B5EF4-FFF2-40B4-BE49-F238E27FC236}">
-                <a16:creationId xmlns:a16="http://schemas.microsoft.com/office/drawing/2014/main" id="{4F696841-9266-CE2F-8987-C8128F4D1250}"/>
-              </a:ext>
-            </a:extLst>
-          </p:cNvPr>
-          <p:cNvSpPr>
-            <a:spLocks noGrp="1"/>
-          </p:cNvSpPr>
-          <p:nvPr>
-            <p:ph type="title"/>
-          </p:nvPr>
-        </p:nvSpPr>
-        <p:spPr>
-          <a:xfrm>
-            <a:off x="1945201" y="624110"/>
-            <a:ext cx="6875271" cy="1280890"/>
-          </a:xfrm>
-        </p:spPr>
-        <p:txBody>
-          <a:bodyPr>
-            <a:normAutofit/>
-          </a:bodyPr>
-          <a:lstStyle/>
-          <a:p>
-            <a:r>
-              <a:rPr lang="fr-FR" dirty="0">
-                <a:latin typeface="Cambria" panose="02040503050406030204" pitchFamily="18" charset="0"/>
-                <a:ea typeface="Cambria" panose="02040503050406030204" pitchFamily="18" charset="0"/>
-              </a:rPr>
-              <a:t>Gestion de projet : analyse SWOT</a:t>
-            </a:r>
-          </a:p>
-        </p:txBody>
-      </p:sp>
-      <p:sp>
-        <p:nvSpPr>
-          <p:cNvPr id="8" name="Espace réservé du numéro de diapositive 7">
-            <a:extLst>
-              <a:ext uri="{FF2B5EF4-FFF2-40B4-BE49-F238E27FC236}">
-                <a16:creationId xmlns:a16="http://schemas.microsoft.com/office/drawing/2014/main" id="{02A5D419-072A-9418-1A76-2BC15D8299B5}"/>
-              </a:ext>
-            </a:extLst>
-          </p:cNvPr>
-          <p:cNvSpPr>
-            <a:spLocks noGrp="1"/>
-          </p:cNvSpPr>
-          <p:nvPr>
-            <p:ph type="sldNum" sz="quarter" idx="12"/>
-          </p:nvPr>
-        </p:nvSpPr>
-        <p:spPr/>
-        <p:txBody>
-          <a:bodyPr/>
-          <a:lstStyle/>
-          <a:p>
-            <a:fld id="{DE95875A-490E-4E39-B159-6AEC903BC20C}" type="slidenum">
-              <a:rPr lang="fr-FR" smtClean="0"/>
-              <a:t>12</a:t>
-            </a:fld>
-            <a:endParaRPr lang="fr-FR"/>
-          </a:p>
-        </p:txBody>
-      </p:sp>
-      <p:pic>
-        <p:nvPicPr>
-          <p:cNvPr id="1026" name="Picture 2">
-            <a:extLst>
-              <a:ext uri="{FF2B5EF4-FFF2-40B4-BE49-F238E27FC236}">
-                <a16:creationId xmlns:a16="http://schemas.microsoft.com/office/drawing/2014/main" id="{E2C296D3-84C9-8771-9B72-70D7B0764A15}"/>
-              </a:ext>
-            </a:extLst>
-          </p:cNvPr>
-          <p:cNvPicPr>
-            <a:picLocks noChangeAspect="1" noChangeArrowheads="1"/>
-          </p:cNvPicPr>
-          <p:nvPr/>
-        </p:nvPicPr>
-        <p:blipFill>
-          <a:blip r:embed="rId2">
-            <a:extLst>
-              <a:ext uri="{28A0092B-C50C-407E-A947-70E740481C1C}">
-                <a14:useLocalDpi xmlns:a14="http://schemas.microsoft.com/office/drawing/2010/main" val="0"/>
-              </a:ext>
-            </a:extLst>
-          </a:blip>
-          <a:srcRect/>
-          <a:stretch>
-            <a:fillRect/>
-          </a:stretch>
-        </p:blipFill>
-        <p:spPr bwMode="auto">
-          <a:xfrm>
-            <a:off x="1632807" y="1700808"/>
-            <a:ext cx="5878385" cy="4408789"/>
-          </a:xfrm>
-          <a:prstGeom prst="rect">
-            <a:avLst/>
-          </a:prstGeom>
-          <a:noFill/>
-          <a:extLst>
-            <a:ext uri="{909E8E84-426E-40DD-AFC4-6F175D3DCCD1}">
-              <a14:hiddenFill xmlns:a14="http://schemas.microsoft.com/office/drawing/2010/main">
-                <a:solidFill>
-                  <a:srgbClr val="FFFFFF"/>
-                </a:solidFill>
-              </a14:hiddenFill>
-            </a:ext>
-          </a:extLst>
-        </p:spPr>
-      </p:pic>
-      <p:sp>
-        <p:nvSpPr>
-          <p:cNvPr id="6" name="Rectangle 5">
-            <a:extLst>
-              <a:ext uri="{FF2B5EF4-FFF2-40B4-BE49-F238E27FC236}">
-                <a16:creationId xmlns:a16="http://schemas.microsoft.com/office/drawing/2014/main" id="{2C1D15D3-15AA-3532-B8C5-6A7D20CCFFF0}"/>
-              </a:ext>
-            </a:extLst>
-          </p:cNvPr>
-          <p:cNvSpPr/>
-          <p:nvPr/>
-        </p:nvSpPr>
-        <p:spPr>
-          <a:xfrm>
-            <a:off x="4572001" y="1700808"/>
-            <a:ext cx="2939192" cy="2232248"/>
-          </a:xfrm>
-          <a:prstGeom prst="rect">
-            <a:avLst/>
-          </a:prstGeom>
-          <a:solidFill>
-            <a:srgbClr val="F4F7EA"/>
-          </a:solidFill>
-          <a:ln>
-            <a:noFill/>
-          </a:ln>
-        </p:spPr>
-        <p:style>
-          <a:lnRef idx="2">
-            <a:schemeClr val="accent1">
-              <a:shade val="50000"/>
-            </a:schemeClr>
-          </a:lnRef>
-          <a:fillRef idx="1">
-            <a:schemeClr val="accent1"/>
-          </a:fillRef>
-          <a:effectRef idx="0">
-            <a:schemeClr val="accent1"/>
-          </a:effectRef>
-          <a:fontRef idx="minor">
-            <a:schemeClr val="lt1"/>
-          </a:fontRef>
-        </p:style>
-        <p:txBody>
-          <a:bodyPr rtlCol="0" anchor="ctr"/>
-          <a:lstStyle/>
-          <a:p>
-            <a:pPr algn="ctr"/>
-            <a:endParaRPr lang="fr-FR" sz="1350" dirty="0"/>
-          </a:p>
-        </p:txBody>
-      </p:sp>
-      <p:sp>
-        <p:nvSpPr>
-          <p:cNvPr id="10" name="Rectangle 9">
-            <a:extLst>
-              <a:ext uri="{FF2B5EF4-FFF2-40B4-BE49-F238E27FC236}">
-                <a16:creationId xmlns:a16="http://schemas.microsoft.com/office/drawing/2014/main" id="{8B9B95E0-882D-21BE-B426-5B84E890E18A}"/>
-              </a:ext>
-            </a:extLst>
-          </p:cNvPr>
-          <p:cNvSpPr/>
-          <p:nvPr/>
-        </p:nvSpPr>
-        <p:spPr>
-          <a:xfrm>
-            <a:off x="1632805" y="3897247"/>
-            <a:ext cx="2939192" cy="2232248"/>
-          </a:xfrm>
-          <a:prstGeom prst="rect">
-            <a:avLst/>
-          </a:prstGeom>
-          <a:solidFill>
-            <a:srgbClr val="F4F7EA"/>
-          </a:solidFill>
-          <a:ln>
-            <a:noFill/>
-          </a:ln>
-        </p:spPr>
-        <p:style>
-          <a:lnRef idx="2">
-            <a:schemeClr val="accent1">
-              <a:shade val="50000"/>
-            </a:schemeClr>
-          </a:lnRef>
-          <a:fillRef idx="1">
-            <a:schemeClr val="accent1"/>
-          </a:fillRef>
-          <a:effectRef idx="0">
-            <a:schemeClr val="accent1"/>
-          </a:effectRef>
-          <a:fontRef idx="minor">
-            <a:schemeClr val="lt1"/>
-          </a:fontRef>
-        </p:style>
-        <p:txBody>
-          <a:bodyPr rtlCol="0" anchor="ctr"/>
-          <a:lstStyle/>
-          <a:p>
-            <a:pPr algn="ctr"/>
-            <a:endParaRPr lang="fr-FR" sz="1350" dirty="0"/>
-          </a:p>
-        </p:txBody>
-      </p:sp>
-      <p:sp>
-        <p:nvSpPr>
-          <p:cNvPr id="11" name="Rectangle 10">
-            <a:extLst>
-              <a:ext uri="{FF2B5EF4-FFF2-40B4-BE49-F238E27FC236}">
-                <a16:creationId xmlns:a16="http://schemas.microsoft.com/office/drawing/2014/main" id="{AF0C9413-F8A5-83E6-7526-6644E0748C7C}"/>
-              </a:ext>
-            </a:extLst>
-          </p:cNvPr>
-          <p:cNvSpPr/>
-          <p:nvPr/>
-        </p:nvSpPr>
-        <p:spPr>
-          <a:xfrm>
-            <a:off x="1632807" y="1692852"/>
-            <a:ext cx="2939192" cy="2232248"/>
-          </a:xfrm>
-          <a:prstGeom prst="rect">
-            <a:avLst/>
-          </a:prstGeom>
-          <a:solidFill>
-            <a:srgbClr val="F4F7EA"/>
-          </a:solidFill>
-          <a:ln>
-            <a:noFill/>
-          </a:ln>
-        </p:spPr>
-        <p:style>
-          <a:lnRef idx="2">
-            <a:schemeClr val="accent1">
-              <a:shade val="50000"/>
-            </a:schemeClr>
-          </a:lnRef>
-          <a:fillRef idx="1">
-            <a:schemeClr val="accent1"/>
-          </a:fillRef>
-          <a:effectRef idx="0">
-            <a:schemeClr val="accent1"/>
-          </a:effectRef>
-          <a:fontRef idx="minor">
-            <a:schemeClr val="lt1"/>
-          </a:fontRef>
-        </p:style>
-        <p:txBody>
-          <a:bodyPr rtlCol="0" anchor="ctr"/>
-          <a:lstStyle/>
-          <a:p>
-            <a:pPr algn="ctr"/>
-            <a:endParaRPr lang="fr-FR" sz="1350" dirty="0">
-              <a:solidFill>
-                <a:srgbClr val="EFF4E2"/>
-              </a:solidFill>
-            </a:endParaRPr>
-          </a:p>
-        </p:txBody>
-      </p:sp>
-      <p:sp>
-        <p:nvSpPr>
-          <p:cNvPr id="12" name="Rectangle 11">
-            <a:extLst>
-              <a:ext uri="{FF2B5EF4-FFF2-40B4-BE49-F238E27FC236}">
-                <a16:creationId xmlns:a16="http://schemas.microsoft.com/office/drawing/2014/main" id="{53D5AB21-4ABC-4C07-2292-48169D16B564}"/>
-              </a:ext>
-            </a:extLst>
-          </p:cNvPr>
-          <p:cNvSpPr/>
-          <p:nvPr/>
-        </p:nvSpPr>
-        <p:spPr>
-          <a:xfrm>
-            <a:off x="4574058" y="3877349"/>
-            <a:ext cx="2939192" cy="2232248"/>
-          </a:xfrm>
-          <a:prstGeom prst="rect">
-            <a:avLst/>
-          </a:prstGeom>
-          <a:solidFill>
-            <a:srgbClr val="F4F7EA"/>
-          </a:solidFill>
-          <a:ln>
-            <a:noFill/>
-          </a:ln>
-        </p:spPr>
-        <p:style>
-          <a:lnRef idx="2">
-            <a:schemeClr val="accent1">
-              <a:shade val="50000"/>
-            </a:schemeClr>
-          </a:lnRef>
-          <a:fillRef idx="1">
-            <a:schemeClr val="accent1"/>
-          </a:fillRef>
-          <a:effectRef idx="0">
-            <a:schemeClr val="accent1"/>
-          </a:effectRef>
-          <a:fontRef idx="minor">
-            <a:schemeClr val="lt1"/>
-          </a:fontRef>
-        </p:style>
-        <p:txBody>
-          <a:bodyPr rtlCol="0" anchor="ctr"/>
-          <a:lstStyle/>
-          <a:p>
-            <a:pPr algn="ctr"/>
-            <a:endParaRPr lang="fr-FR" sz="1350" dirty="0"/>
-          </a:p>
-        </p:txBody>
-      </p:sp>
-      <p:pic>
-        <p:nvPicPr>
-          <p:cNvPr id="9" name="Image 8">
-            <a:extLst>
-              <a:ext uri="{FF2B5EF4-FFF2-40B4-BE49-F238E27FC236}">
-                <a16:creationId xmlns:a16="http://schemas.microsoft.com/office/drawing/2014/main" id="{79747306-4086-9F4F-26B3-9C44C2079074}"/>
-              </a:ext>
-            </a:extLst>
-          </p:cNvPr>
-          <p:cNvPicPr>
-            <a:picLocks noChangeAspect="1"/>
-          </p:cNvPicPr>
-          <p:nvPr/>
-        </p:nvPicPr>
-        <p:blipFill>
-          <a:blip r:embed="rId3"/>
-          <a:stretch>
-            <a:fillRect/>
-          </a:stretch>
-        </p:blipFill>
-        <p:spPr>
-          <a:xfrm>
-            <a:off x="3948323" y="3284984"/>
-            <a:ext cx="1247354" cy="1258851"/>
-          </a:xfrm>
-          <a:prstGeom prst="rect">
-            <a:avLst/>
-          </a:prstGeom>
-        </p:spPr>
-      </p:pic>
-    </p:spTree>
-    <p:extLst>
-      <p:ext uri="{BB962C8B-B14F-4D97-AF65-F5344CB8AC3E}">
-        <p14:creationId xmlns:p14="http://schemas.microsoft.com/office/powerpoint/2010/main" val="1733484957"/>
-      </p:ext>
-    </p:extLst>
-  </p:cSld>
-  <p:clrMapOvr>
-    <a:masterClrMapping/>
-  </p:clrMapOvr>
-  <p:timing>
-    <p:tnLst>
-      <p:par>
-        <p:cTn id="1" dur="indefinite" restart="never" nodeType="tmRoot">
-          <p:childTnLst>
-            <p:seq concurrent="1" nextAc="seek">
-              <p:cTn id="2" dur="indefinite" nodeType="mainSeq">
-                <p:childTnLst>
-                  <p:par>
-                    <p:cTn id="3" fill="hold">
-                      <p:stCondLst>
-                        <p:cond delay="indefinite"/>
-                      </p:stCondLst>
-                      <p:childTnLst>
-                        <p:par>
-                          <p:cTn id="4" fill="hold">
-                            <p:stCondLst>
-                              <p:cond delay="0"/>
-                            </p:stCondLst>
-                            <p:childTnLst>
-                              <p:par>
-                                <p:cTn id="5" presetID="1" presetClass="exit" presetSubtype="0" fill="hold" grpId="0" nodeType="clickEffect">
-                                  <p:stCondLst>
-                                    <p:cond delay="0"/>
-                                  </p:stCondLst>
-                                  <p:childTnLst>
-                                    <p:set>
-                                      <p:cBhvr>
-                                        <p:cTn id="6" dur="1" fill="hold">
-                                          <p:stCondLst>
-                                            <p:cond delay="0"/>
-                                          </p:stCondLst>
-                                        </p:cTn>
-                                        <p:tgtEl>
-                                          <p:spTgt spid="11"/>
-                                        </p:tgtEl>
-                                        <p:attrNameLst>
-                                          <p:attrName>style.visibility</p:attrName>
-                                        </p:attrNameLst>
-                                      </p:cBhvr>
-                                      <p:to>
-                                        <p:strVal val="hidden"/>
-                                      </p:to>
-                                    </p:set>
-                                  </p:childTnLst>
-                                </p:cTn>
-                              </p:par>
-                            </p:childTnLst>
-                          </p:cTn>
-                        </p:par>
-                      </p:childTnLst>
-                    </p:cTn>
-                  </p:par>
-                  <p:par>
-                    <p:cTn id="7" fill="hold">
-                      <p:stCondLst>
-                        <p:cond delay="indefinite"/>
-                      </p:stCondLst>
-                      <p:childTnLst>
-                        <p:par>
-                          <p:cTn id="8" fill="hold">
-                            <p:stCondLst>
-                              <p:cond delay="0"/>
-                            </p:stCondLst>
-                            <p:childTnLst>
-                              <p:par>
-                                <p:cTn id="9" presetID="1" presetClass="exit" presetSubtype="0" fill="hold" grpId="0" nodeType="clickEffect">
-                                  <p:stCondLst>
-                                    <p:cond delay="0"/>
-                                  </p:stCondLst>
-                                  <p:childTnLst>
-                                    <p:set>
-                                      <p:cBhvr>
-                                        <p:cTn id="10" dur="1" fill="hold">
-                                          <p:stCondLst>
-                                            <p:cond delay="0"/>
-                                          </p:stCondLst>
-                                        </p:cTn>
-                                        <p:tgtEl>
-                                          <p:spTgt spid="6"/>
-                                        </p:tgtEl>
-                                        <p:attrNameLst>
-                                          <p:attrName>style.visibility</p:attrName>
-                                        </p:attrNameLst>
-                                      </p:cBhvr>
-                                      <p:to>
-                                        <p:strVal val="hidden"/>
-                                      </p:to>
-                                    </p:set>
-                                  </p:childTnLst>
-                                </p:cTn>
-                              </p:par>
-                            </p:childTnLst>
-                          </p:cTn>
-                        </p:par>
-                      </p:childTnLst>
-                    </p:cTn>
-                  </p:par>
-                  <p:par>
-                    <p:cTn id="11" fill="hold">
-                      <p:stCondLst>
-                        <p:cond delay="indefinite"/>
-                      </p:stCondLst>
-                      <p:childTnLst>
-                        <p:par>
-                          <p:cTn id="12" fill="hold">
-                            <p:stCondLst>
-                              <p:cond delay="0"/>
-                            </p:stCondLst>
-                            <p:childTnLst>
-                              <p:par>
-                                <p:cTn id="13" presetID="1" presetClass="exit" presetSubtype="0" fill="hold" grpId="0" nodeType="clickEffect">
-                                  <p:stCondLst>
-                                    <p:cond delay="0"/>
-                                  </p:stCondLst>
-                                  <p:childTnLst>
-                                    <p:set>
-                                      <p:cBhvr>
-                                        <p:cTn id="14" dur="1" fill="hold">
-                                          <p:stCondLst>
-                                            <p:cond delay="0"/>
-                                          </p:stCondLst>
-                                        </p:cTn>
-                                        <p:tgtEl>
-                                          <p:spTgt spid="10"/>
-                                        </p:tgtEl>
-                                        <p:attrNameLst>
-                                          <p:attrName>style.visibility</p:attrName>
-                                        </p:attrNameLst>
-                                      </p:cBhvr>
-                                      <p:to>
-                                        <p:strVal val="hidden"/>
-                                      </p:to>
-                                    </p:set>
-                                  </p:childTnLst>
-                                </p:cTn>
-                              </p:par>
-                            </p:childTnLst>
-                          </p:cTn>
-                        </p:par>
-                      </p:childTnLst>
-                    </p:cTn>
-                  </p:par>
-                  <p:par>
-                    <p:cTn id="15" fill="hold">
-                      <p:stCondLst>
-                        <p:cond delay="indefinite"/>
-                      </p:stCondLst>
-                      <p:childTnLst>
-                        <p:par>
-                          <p:cTn id="16" fill="hold">
-                            <p:stCondLst>
-                              <p:cond delay="0"/>
-                            </p:stCondLst>
-                            <p:childTnLst>
-                              <p:par>
-                                <p:cTn id="17" presetID="1" presetClass="exit" presetSubtype="0" fill="hold" grpId="0" nodeType="clickEffect">
-                                  <p:stCondLst>
-                                    <p:cond delay="0"/>
-                                  </p:stCondLst>
-                                  <p:childTnLst>
-                                    <p:set>
-                                      <p:cBhvr>
-                                        <p:cTn id="18" dur="1" fill="hold">
-                                          <p:stCondLst>
-                                            <p:cond delay="0"/>
-                                          </p:stCondLst>
-                                        </p:cTn>
-                                        <p:tgtEl>
-                                          <p:spTgt spid="12"/>
-                                        </p:tgtEl>
-                                        <p:attrNameLst>
-                                          <p:attrName>style.visibility</p:attrName>
-                                        </p:attrNameLst>
-                                      </p:cBhvr>
-                                      <p:to>
-                                        <p:strVal val="hidden"/>
-                                      </p:to>
-                                    </p:set>
-                                  </p:childTnLst>
-                                </p:cTn>
-                              </p:par>
-                            </p:childTnLst>
-                          </p:cTn>
-                        </p:par>
-                      </p:childTnLst>
-                    </p:cTn>
-                  </p:par>
-                </p:childTnLst>
-              </p:cTn>
-              <p:prevCondLst>
-                <p:cond evt="onPrev" delay="0">
-                  <p:tgtEl>
-                    <p:sldTgt/>
-                  </p:tgtEl>
-                </p:cond>
-              </p:prevCondLst>
-              <p:nextCondLst>
-                <p:cond evt="onNext" delay="0">
-                  <p:tgtEl>
-                    <p:sldTgt/>
-                  </p:tgtEl>
-                </p:cond>
-              </p:nextCondLst>
-            </p:seq>
-          </p:childTnLst>
-        </p:cTn>
-      </p:par>
-    </p:tnLst>
-    <p:bldLst>
-      <p:bldP spid="6" grpId="0" animBg="1"/>
-      <p:bldP spid="10" grpId="0" animBg="1"/>
-      <p:bldP spid="11" grpId="0" animBg="1"/>
-      <p:bldP spid="12" grpId="0" animBg="1"/>
-    </p:bldLst>
-  </p:timing>
-</p:sld>
-</file>
-
 <file path=ppt/slides/slide13.xml><?xml version="1.0" encoding="utf-8"?>
 <p:sld xmlns:a="http://schemas.openxmlformats.org/drawingml/2006/main" xmlns:r="http://schemas.openxmlformats.org/officeDocument/2006/relationships" xmlns:p="http://schemas.openxmlformats.org/presentationml/2006/main">
   <p:cSld>
@@ -25230,7 +25230,7 @@
         </p:nvSpPr>
         <p:spPr bwMode="auto">
           <a:xfrm>
-            <a:off x="333340" y="1881187"/>
+            <a:off x="336926" y="1887378"/>
             <a:ext cx="8459787" cy="4479925"/>
           </a:xfrm>
           <a:prstGeom prst="rect">
@@ -25288,7 +25288,7 @@
         </p:nvSpPr>
         <p:spPr bwMode="auto">
           <a:xfrm>
-            <a:off x="341277" y="1905000"/>
+            <a:off x="391865" y="2409985"/>
             <a:ext cx="2519362" cy="366713"/>
           </a:xfrm>
           <a:prstGeom prst="rect">
@@ -25344,7 +25344,7 @@
         </p:nvSpPr>
         <p:spPr bwMode="auto">
           <a:xfrm>
-            <a:off x="2862227" y="1905000"/>
+            <a:off x="2912815" y="2409985"/>
             <a:ext cx="4464050" cy="366713"/>
           </a:xfrm>
           <a:prstGeom prst="rect">
@@ -25400,7 +25400,7 @@
         </p:nvSpPr>
         <p:spPr bwMode="auto">
           <a:xfrm>
-            <a:off x="7326277" y="1905000"/>
+            <a:off x="7376865" y="2409985"/>
             <a:ext cx="1439862" cy="366713"/>
           </a:xfrm>
           <a:prstGeom prst="rect">
@@ -25456,7 +25456,7 @@
         </p:nvSpPr>
         <p:spPr bwMode="auto">
           <a:xfrm>
-            <a:off x="341277" y="2271712"/>
+            <a:off x="391865" y="2776697"/>
             <a:ext cx="2519362" cy="639763"/>
           </a:xfrm>
           <a:prstGeom prst="rect">
@@ -25512,7 +25512,7 @@
         </p:nvSpPr>
         <p:spPr bwMode="auto">
           <a:xfrm>
-            <a:off x="2862227" y="2271712"/>
+            <a:off x="2912815" y="2776697"/>
             <a:ext cx="4464050" cy="639763"/>
           </a:xfrm>
           <a:prstGeom prst="rect">
@@ -25568,7 +25568,7 @@
         </p:nvSpPr>
         <p:spPr bwMode="auto">
           <a:xfrm>
-            <a:off x="7326277" y="2271712"/>
+            <a:off x="7376865" y="2776697"/>
             <a:ext cx="1439862" cy="639763"/>
           </a:xfrm>
           <a:prstGeom prst="rect">
@@ -25624,7 +25624,7 @@
         </p:nvSpPr>
         <p:spPr bwMode="auto">
           <a:xfrm>
-            <a:off x="341277" y="2911475"/>
+            <a:off x="391865" y="3416460"/>
             <a:ext cx="2519362" cy="914400"/>
           </a:xfrm>
           <a:prstGeom prst="rect">
@@ -25680,7 +25680,7 @@
         </p:nvSpPr>
         <p:spPr bwMode="auto">
           <a:xfrm>
-            <a:off x="2862227" y="2911475"/>
+            <a:off x="2912815" y="3416460"/>
             <a:ext cx="4464050" cy="914400"/>
           </a:xfrm>
           <a:prstGeom prst="rect">
@@ -25736,7 +25736,7 @@
         </p:nvSpPr>
         <p:spPr bwMode="auto">
           <a:xfrm>
-            <a:off x="7326277" y="2911475"/>
+            <a:off x="7376865" y="3416460"/>
             <a:ext cx="1439862" cy="914400"/>
           </a:xfrm>
           <a:prstGeom prst="rect">
@@ -25792,7 +25792,7 @@
         </p:nvSpPr>
         <p:spPr bwMode="auto">
           <a:xfrm>
-            <a:off x="341277" y="3825875"/>
+            <a:off x="391865" y="4330860"/>
             <a:ext cx="2519362" cy="639763"/>
           </a:xfrm>
           <a:prstGeom prst="rect">
@@ -25848,7 +25848,7 @@
         </p:nvSpPr>
         <p:spPr bwMode="auto">
           <a:xfrm>
-            <a:off x="2862227" y="3825875"/>
+            <a:off x="2912815" y="4330860"/>
             <a:ext cx="4464050" cy="639763"/>
           </a:xfrm>
           <a:prstGeom prst="rect">
@@ -25904,7 +25904,7 @@
         </p:nvSpPr>
         <p:spPr bwMode="auto">
           <a:xfrm>
-            <a:off x="7326277" y="3825875"/>
+            <a:off x="7376865" y="4330860"/>
             <a:ext cx="1439862" cy="639763"/>
           </a:xfrm>
           <a:prstGeom prst="rect">
@@ -25960,8 +25960,8 @@
         </p:nvSpPr>
         <p:spPr bwMode="auto">
           <a:xfrm>
-            <a:off x="341277" y="4465637"/>
-            <a:ext cx="2519362" cy="1882775"/>
+            <a:off x="391865" y="4970622"/>
+            <a:ext cx="2519362" cy="648473"/>
           </a:xfrm>
           <a:prstGeom prst="rect">
             <a:avLst/>
@@ -26016,8 +26016,8 @@
         </p:nvSpPr>
         <p:spPr bwMode="auto">
           <a:xfrm>
-            <a:off x="2862227" y="4465637"/>
-            <a:ext cx="4464050" cy="1882775"/>
+            <a:off x="2912815" y="4970623"/>
+            <a:ext cx="4464050" cy="648472"/>
           </a:xfrm>
           <a:prstGeom prst="rect">
             <a:avLst/>
@@ -26072,8 +26072,8 @@
         </p:nvSpPr>
         <p:spPr bwMode="auto">
           <a:xfrm>
-            <a:off x="7326277" y="4465637"/>
-            <a:ext cx="1439862" cy="1882775"/>
+            <a:off x="7376865" y="4970622"/>
+            <a:ext cx="1439862" cy="648473"/>
           </a:xfrm>
           <a:prstGeom prst="rect">
             <a:avLst/>
@@ -26128,8 +26128,8 @@
         </p:nvSpPr>
         <p:spPr bwMode="auto">
           <a:xfrm>
-            <a:off x="2860640" y="1898650"/>
-            <a:ext cx="0" cy="4456113"/>
+            <a:off x="2911227" y="2403636"/>
+            <a:ext cx="6349" cy="3215458"/>
           </a:xfrm>
           <a:prstGeom prst="line">
             <a:avLst/>
@@ -26183,8 +26183,8 @@
         </p:nvSpPr>
         <p:spPr bwMode="auto">
           <a:xfrm>
-            <a:off x="7326277" y="1898650"/>
-            <a:ext cx="0" cy="4456113"/>
+            <a:off x="7376864" y="2403636"/>
+            <a:ext cx="26141" cy="3215460"/>
           </a:xfrm>
           <a:prstGeom prst="line">
             <a:avLst/>
@@ -26238,7 +26238,7 @@
         </p:nvSpPr>
         <p:spPr bwMode="auto">
           <a:xfrm>
-            <a:off x="334927" y="2271712"/>
+            <a:off x="385515" y="2776697"/>
             <a:ext cx="8439150" cy="0"/>
           </a:xfrm>
           <a:prstGeom prst="line">
@@ -26293,7 +26293,7 @@
         </p:nvSpPr>
         <p:spPr bwMode="auto">
           <a:xfrm>
-            <a:off x="334927" y="2911475"/>
+            <a:off x="385515" y="3416460"/>
             <a:ext cx="8439150" cy="0"/>
           </a:xfrm>
           <a:prstGeom prst="line">
@@ -26348,7 +26348,7 @@
         </p:nvSpPr>
         <p:spPr bwMode="auto">
           <a:xfrm>
-            <a:off x="334927" y="3825875"/>
+            <a:off x="385515" y="4330860"/>
             <a:ext cx="8439150" cy="0"/>
           </a:xfrm>
           <a:prstGeom prst="line">
@@ -26403,7 +26403,7 @@
         </p:nvSpPr>
         <p:spPr bwMode="auto">
           <a:xfrm>
-            <a:off x="334927" y="4465637"/>
+            <a:off x="385515" y="4970622"/>
             <a:ext cx="8439150" cy="0"/>
           </a:xfrm>
           <a:prstGeom prst="line">
@@ -26458,8 +26458,8 @@
         </p:nvSpPr>
         <p:spPr bwMode="auto">
           <a:xfrm>
-            <a:off x="341277" y="1898650"/>
-            <a:ext cx="0" cy="4456113"/>
+            <a:off x="391865" y="2403636"/>
+            <a:ext cx="9596" cy="3215458"/>
           </a:xfrm>
           <a:prstGeom prst="line">
             <a:avLst/>
@@ -26513,8 +26513,8 @@
         </p:nvSpPr>
         <p:spPr bwMode="auto">
           <a:xfrm>
-            <a:off x="8766140" y="1898650"/>
-            <a:ext cx="0" cy="4456113"/>
+            <a:off x="8816727" y="2403635"/>
+            <a:ext cx="14288" cy="3215459"/>
           </a:xfrm>
           <a:prstGeom prst="line">
             <a:avLst/>
@@ -26568,7 +26568,7 @@
         </p:nvSpPr>
         <p:spPr bwMode="auto">
           <a:xfrm>
-            <a:off x="334927" y="1905000"/>
+            <a:off x="385515" y="2409985"/>
             <a:ext cx="8439150" cy="0"/>
           </a:xfrm>
           <a:prstGeom prst="line">
@@ -26623,7 +26623,7 @@
         </p:nvSpPr>
         <p:spPr bwMode="auto">
           <a:xfrm>
-            <a:off x="334927" y="6348412"/>
+            <a:off x="366517" y="5619094"/>
             <a:ext cx="8439150" cy="0"/>
           </a:xfrm>
           <a:prstGeom prst="line">
@@ -26678,7 +26678,7 @@
         </p:nvSpPr>
         <p:spPr bwMode="auto">
           <a:xfrm>
-            <a:off x="433352" y="1954212"/>
+            <a:off x="483940" y="2459197"/>
             <a:ext cx="543418" cy="276999"/>
           </a:xfrm>
           <a:prstGeom prst="rect">
@@ -26904,7 +26904,7 @@
         </p:nvSpPr>
         <p:spPr bwMode="auto">
           <a:xfrm>
-            <a:off x="2954302" y="1954212"/>
+            <a:off x="3004890" y="2459197"/>
             <a:ext cx="1242328" cy="276999"/>
           </a:xfrm>
           <a:prstGeom prst="rect">
@@ -27130,7 +27130,7 @@
         </p:nvSpPr>
         <p:spPr bwMode="auto">
           <a:xfrm>
-            <a:off x="7418352" y="1954212"/>
+            <a:off x="7468940" y="2459197"/>
             <a:ext cx="488980" cy="276999"/>
           </a:xfrm>
           <a:prstGeom prst="rect">
@@ -27356,7 +27356,7 @@
         </p:nvSpPr>
         <p:spPr bwMode="auto">
           <a:xfrm>
-            <a:off x="433352" y="2314575"/>
+            <a:off x="483940" y="2819560"/>
             <a:ext cx="1933671" cy="276999"/>
           </a:xfrm>
           <a:prstGeom prst="rect">
@@ -27582,7 +27582,7 @@
         </p:nvSpPr>
         <p:spPr bwMode="auto">
           <a:xfrm>
-            <a:off x="433352" y="2589212"/>
+            <a:off x="483940" y="3094197"/>
             <a:ext cx="1536511" cy="276999"/>
           </a:xfrm>
           <a:prstGeom prst="rect">
@@ -27808,7 +27808,7 @@
         </p:nvSpPr>
         <p:spPr bwMode="auto">
           <a:xfrm>
-            <a:off x="2954302" y="2314575"/>
+            <a:off x="3004890" y="2819560"/>
             <a:ext cx="2594556" cy="276999"/>
           </a:xfrm>
           <a:prstGeom prst="rect">
@@ -28034,7 +28034,7 @@
         </p:nvSpPr>
         <p:spPr bwMode="auto">
           <a:xfrm>
-            <a:off x="5580112" y="2314575"/>
+            <a:off x="5630700" y="2819560"/>
             <a:ext cx="226024" cy="276999"/>
           </a:xfrm>
           <a:prstGeom prst="rect">
@@ -28260,7 +28260,7 @@
         </p:nvSpPr>
         <p:spPr bwMode="auto">
           <a:xfrm>
-            <a:off x="2954302" y="2589212"/>
+            <a:off x="3004890" y="3094197"/>
             <a:ext cx="1120050" cy="276999"/>
           </a:xfrm>
           <a:prstGeom prst="rect">
@@ -28486,7 +28486,7 @@
         </p:nvSpPr>
         <p:spPr bwMode="auto">
           <a:xfrm>
-            <a:off x="7418352" y="2314575"/>
+            <a:off x="7468940" y="2819560"/>
             <a:ext cx="997068" cy="276999"/>
           </a:xfrm>
           <a:prstGeom prst="rect">
@@ -28712,7 +28712,7 @@
         </p:nvSpPr>
         <p:spPr bwMode="auto">
           <a:xfrm>
-            <a:off x="433352" y="2954337"/>
+            <a:off x="483940" y="3459322"/>
             <a:ext cx="1797223" cy="276999"/>
           </a:xfrm>
           <a:prstGeom prst="rect">
@@ -28938,7 +28938,7 @@
         </p:nvSpPr>
         <p:spPr bwMode="auto">
           <a:xfrm>
-            <a:off x="433352" y="3228975"/>
+            <a:off x="483940" y="3733960"/>
             <a:ext cx="1311256" cy="276999"/>
           </a:xfrm>
           <a:prstGeom prst="rect">
@@ -29164,7 +29164,7 @@
         </p:nvSpPr>
         <p:spPr bwMode="auto">
           <a:xfrm>
-            <a:off x="1750716" y="3230156"/>
+            <a:off x="1801304" y="3735141"/>
             <a:ext cx="830356" cy="276999"/>
           </a:xfrm>
           <a:prstGeom prst="rect">
@@ -29390,7 +29390,7 @@
         </p:nvSpPr>
         <p:spPr bwMode="auto">
           <a:xfrm>
-            <a:off x="2954302" y="2954337"/>
+            <a:off x="3004890" y="3459322"/>
             <a:ext cx="3083986" cy="276999"/>
           </a:xfrm>
           <a:prstGeom prst="rect">
@@ -29616,7 +29616,7 @@
         </p:nvSpPr>
         <p:spPr bwMode="auto">
           <a:xfrm>
-            <a:off x="2954302" y="3228975"/>
+            <a:off x="3004890" y="3733960"/>
             <a:ext cx="2900153" cy="276999"/>
           </a:xfrm>
           <a:prstGeom prst="rect">
@@ -29842,7 +29842,7 @@
         </p:nvSpPr>
         <p:spPr bwMode="auto">
           <a:xfrm>
-            <a:off x="2954302" y="3503612"/>
+            <a:off x="3004890" y="4008597"/>
             <a:ext cx="1134926" cy="276999"/>
           </a:xfrm>
           <a:prstGeom prst="rect">
@@ -30068,7 +30068,7 @@
         </p:nvSpPr>
         <p:spPr bwMode="auto">
           <a:xfrm>
-            <a:off x="433352" y="3868737"/>
+            <a:off x="483940" y="4373722"/>
             <a:ext cx="2051331" cy="276999"/>
           </a:xfrm>
           <a:prstGeom prst="rect">
@@ -30294,7 +30294,7 @@
         </p:nvSpPr>
         <p:spPr bwMode="auto">
           <a:xfrm>
-            <a:off x="433352" y="4143375"/>
+            <a:off x="483940" y="4648360"/>
             <a:ext cx="1276055" cy="276999"/>
           </a:xfrm>
           <a:prstGeom prst="rect">
@@ -30520,7 +30520,7 @@
         </p:nvSpPr>
         <p:spPr bwMode="auto">
           <a:xfrm>
-            <a:off x="2954302" y="3868737"/>
+            <a:off x="3004890" y="4373722"/>
             <a:ext cx="1093889" cy="276999"/>
           </a:xfrm>
           <a:prstGeom prst="rect">
@@ -30746,7 +30746,7 @@
         </p:nvSpPr>
         <p:spPr bwMode="auto">
           <a:xfrm>
-            <a:off x="4094590" y="3868737"/>
+            <a:off x="4145178" y="4373722"/>
             <a:ext cx="2349618" cy="276999"/>
           </a:xfrm>
           <a:prstGeom prst="rect">
@@ -30972,7 +30972,7 @@
         </p:nvSpPr>
         <p:spPr bwMode="auto">
           <a:xfrm>
-            <a:off x="433352" y="4510087"/>
+            <a:off x="483940" y="5015072"/>
             <a:ext cx="742639" cy="276999"/>
           </a:xfrm>
           <a:prstGeom prst="rect">
@@ -31198,7 +31198,7 @@
         </p:nvSpPr>
         <p:spPr bwMode="auto">
           <a:xfrm>
-            <a:off x="1187624" y="4510087"/>
+            <a:off x="1238212" y="5015072"/>
             <a:ext cx="1257395" cy="276999"/>
           </a:xfrm>
           <a:prstGeom prst="rect">
@@ -31424,7 +31424,7 @@
         </p:nvSpPr>
         <p:spPr bwMode="auto">
           <a:xfrm>
-            <a:off x="433352" y="4783137"/>
+            <a:off x="483940" y="5288122"/>
             <a:ext cx="1114088" cy="276999"/>
           </a:xfrm>
           <a:prstGeom prst="rect">
@@ -31650,7 +31650,7 @@
         </p:nvSpPr>
         <p:spPr bwMode="auto">
           <a:xfrm>
-            <a:off x="2954302" y="4510087"/>
+            <a:off x="3004890" y="5015072"/>
             <a:ext cx="1581202" cy="276999"/>
           </a:xfrm>
           <a:prstGeom prst="rect">
@@ -31876,7 +31876,7 @@
         </p:nvSpPr>
         <p:spPr bwMode="auto">
           <a:xfrm>
-            <a:off x="4572000" y="4510087"/>
+            <a:off x="4622588" y="5015072"/>
             <a:ext cx="1920590" cy="276999"/>
           </a:xfrm>
           <a:prstGeom prst="rect">
@@ -32102,8 +32102,8 @@
         </p:nvSpPr>
         <p:spPr bwMode="auto">
           <a:xfrm>
-            <a:off x="2954302" y="4783137"/>
-            <a:ext cx="3941144" cy="276999"/>
+            <a:off x="3004890" y="5288122"/>
+            <a:ext cx="2124941" cy="276999"/>
           </a:xfrm>
           <a:prstGeom prst="rect">
             <a:avLst/>
@@ -32296,687 +32296,9 @@
                 <a:latin typeface="Cambria" panose="02040503050406030204" pitchFamily="18" charset="0"/>
                 <a:ea typeface="Cambria" panose="02040503050406030204" pitchFamily="18" charset="0"/>
               </a:rPr>
-              <a:t>entre les utilisateurs (messagerie) pour </a:t>
+              <a:t>entre les utilisateurs </a:t>
             </a:r>
             <a:endParaRPr kumimoji="0" lang="fr-FR" altLang="fr-FR" sz="1800" b="0" i="0" u="none" strike="noStrike" cap="none" normalizeH="0" baseline="0" dirty="0">
-              <a:ln>
-                <a:noFill/>
-              </a:ln>
-              <a:solidFill>
-                <a:schemeClr val="tx1"/>
-              </a:solidFill>
-              <a:effectLst/>
-              <a:latin typeface="Cambria" panose="02040503050406030204" pitchFamily="18" charset="0"/>
-              <a:ea typeface="Cambria" panose="02040503050406030204" pitchFamily="18" charset="0"/>
-            </a:endParaRPr>
-          </a:p>
-        </p:txBody>
-      </p:sp>
-      <p:sp>
-        <p:nvSpPr>
-          <p:cNvPr id="117" name="Rectangle 111">
-            <a:extLst>
-              <a:ext uri="{FF2B5EF4-FFF2-40B4-BE49-F238E27FC236}">
-                <a16:creationId xmlns:a16="http://schemas.microsoft.com/office/drawing/2014/main" id="{A585B43E-704B-9FAB-4A58-ACE530BD3941}"/>
-              </a:ext>
-            </a:extLst>
-          </p:cNvPr>
-          <p:cNvSpPr>
-            <a:spLocks noChangeArrowheads="1"/>
-          </p:cNvSpPr>
-          <p:nvPr/>
-        </p:nvSpPr>
-        <p:spPr bwMode="auto">
-          <a:xfrm>
-            <a:off x="2954302" y="5057775"/>
-            <a:ext cx="3435171" cy="276999"/>
-          </a:xfrm>
-          <a:prstGeom prst="rect">
-            <a:avLst/>
-          </a:prstGeom>
-          <a:noFill/>
-          <a:ln>
-            <a:noFill/>
-          </a:ln>
-          <a:extLst>
-            <a:ext uri="{909E8E84-426E-40DD-AFC4-6F175D3DCCD1}">
-              <a14:hiddenFill xmlns:a14="http://schemas.microsoft.com/office/drawing/2010/main">
-                <a:solidFill>
-                  <a:srgbClr val="FFFFFF"/>
-                </a:solidFill>
-              </a14:hiddenFill>
-            </a:ext>
-            <a:ext uri="{91240B29-F687-4F45-9708-019B960494DF}">
-              <a14:hiddenLine xmlns:a14="http://schemas.microsoft.com/office/drawing/2010/main" w="9525">
-                <a:solidFill>
-                  <a:srgbClr val="000000"/>
-                </a:solidFill>
-                <a:miter lim="800000"/>
-                <a:headEnd/>
-                <a:tailEnd/>
-              </a14:hiddenLine>
-            </a:ext>
-          </a:extLst>
-        </p:spPr>
-        <p:txBody>
-          <a:bodyPr vert="horz" wrap="none" lIns="0" tIns="0" rIns="0" bIns="0" numCol="1" anchor="t" anchorCtr="0" compatLnSpc="1">
-            <a:prstTxWarp prst="textNoShape">
-              <a:avLst/>
-            </a:prstTxWarp>
-            <a:spAutoFit/>
-          </a:bodyPr>
-          <a:lstStyle>
-            <a:lvl1pPr eaLnBrk="0" fontAlgn="base" hangingPunct="0">
-              <a:spcBef>
-                <a:spcPct val="0"/>
-              </a:spcBef>
-              <a:spcAft>
-                <a:spcPct val="0"/>
-              </a:spcAft>
-              <a:defRPr>
-                <a:solidFill>
-                  <a:schemeClr val="tx1"/>
-                </a:solidFill>
-                <a:latin typeface="Arial" panose="020B0604020202020204" pitchFamily="34" charset="0"/>
-              </a:defRPr>
-            </a:lvl1pPr>
-            <a:lvl2pPr eaLnBrk="0" fontAlgn="base" hangingPunct="0">
-              <a:spcBef>
-                <a:spcPct val="0"/>
-              </a:spcBef>
-              <a:spcAft>
-                <a:spcPct val="0"/>
-              </a:spcAft>
-              <a:defRPr>
-                <a:solidFill>
-                  <a:schemeClr val="tx1"/>
-                </a:solidFill>
-                <a:latin typeface="Arial" panose="020B0604020202020204" pitchFamily="34" charset="0"/>
-              </a:defRPr>
-            </a:lvl2pPr>
-            <a:lvl3pPr eaLnBrk="0" fontAlgn="base" hangingPunct="0">
-              <a:spcBef>
-                <a:spcPct val="0"/>
-              </a:spcBef>
-              <a:spcAft>
-                <a:spcPct val="0"/>
-              </a:spcAft>
-              <a:defRPr>
-                <a:solidFill>
-                  <a:schemeClr val="tx1"/>
-                </a:solidFill>
-                <a:latin typeface="Arial" panose="020B0604020202020204" pitchFamily="34" charset="0"/>
-              </a:defRPr>
-            </a:lvl3pPr>
-            <a:lvl4pPr eaLnBrk="0" fontAlgn="base" hangingPunct="0">
-              <a:spcBef>
-                <a:spcPct val="0"/>
-              </a:spcBef>
-              <a:spcAft>
-                <a:spcPct val="0"/>
-              </a:spcAft>
-              <a:defRPr>
-                <a:solidFill>
-                  <a:schemeClr val="tx1"/>
-                </a:solidFill>
-                <a:latin typeface="Arial" panose="020B0604020202020204" pitchFamily="34" charset="0"/>
-              </a:defRPr>
-            </a:lvl4pPr>
-            <a:lvl5pPr eaLnBrk="0" fontAlgn="base" hangingPunct="0">
-              <a:spcBef>
-                <a:spcPct val="0"/>
-              </a:spcBef>
-              <a:spcAft>
-                <a:spcPct val="0"/>
-              </a:spcAft>
-              <a:defRPr>
-                <a:solidFill>
-                  <a:schemeClr val="tx1"/>
-                </a:solidFill>
-                <a:latin typeface="Arial" panose="020B0604020202020204" pitchFamily="34" charset="0"/>
-              </a:defRPr>
-            </a:lvl5pPr>
-            <a:lvl6pPr eaLnBrk="0" fontAlgn="base" hangingPunct="0">
-              <a:spcBef>
-                <a:spcPct val="0"/>
-              </a:spcBef>
-              <a:spcAft>
-                <a:spcPct val="0"/>
-              </a:spcAft>
-              <a:defRPr>
-                <a:solidFill>
-                  <a:schemeClr val="tx1"/>
-                </a:solidFill>
-                <a:latin typeface="Arial" panose="020B0604020202020204" pitchFamily="34" charset="0"/>
-              </a:defRPr>
-            </a:lvl6pPr>
-            <a:lvl7pPr eaLnBrk="0" fontAlgn="base" hangingPunct="0">
-              <a:spcBef>
-                <a:spcPct val="0"/>
-              </a:spcBef>
-              <a:spcAft>
-                <a:spcPct val="0"/>
-              </a:spcAft>
-              <a:defRPr>
-                <a:solidFill>
-                  <a:schemeClr val="tx1"/>
-                </a:solidFill>
-                <a:latin typeface="Arial" panose="020B0604020202020204" pitchFamily="34" charset="0"/>
-              </a:defRPr>
-            </a:lvl7pPr>
-            <a:lvl8pPr eaLnBrk="0" fontAlgn="base" hangingPunct="0">
-              <a:spcBef>
-                <a:spcPct val="0"/>
-              </a:spcBef>
-              <a:spcAft>
-                <a:spcPct val="0"/>
-              </a:spcAft>
-              <a:defRPr>
-                <a:solidFill>
-                  <a:schemeClr val="tx1"/>
-                </a:solidFill>
-                <a:latin typeface="Arial" panose="020B0604020202020204" pitchFamily="34" charset="0"/>
-              </a:defRPr>
-            </a:lvl8pPr>
-            <a:lvl9pPr eaLnBrk="0" fontAlgn="base" hangingPunct="0">
-              <a:spcBef>
-                <a:spcPct val="0"/>
-              </a:spcBef>
-              <a:spcAft>
-                <a:spcPct val="0"/>
-              </a:spcAft>
-              <a:defRPr>
-                <a:solidFill>
-                  <a:schemeClr val="tx1"/>
-                </a:solidFill>
-                <a:latin typeface="Arial" panose="020B0604020202020204" pitchFamily="34" charset="0"/>
-              </a:defRPr>
-            </a:lvl9pPr>
-          </a:lstStyle>
-          <a:p>
-            <a:pPr marL="0" marR="0" lvl="0" indent="0" algn="l" defTabSz="914400" rtl="0" eaLnBrk="0" fontAlgn="base" latinLnBrk="0" hangingPunct="0">
-              <a:lnSpc>
-                <a:spcPct val="100000"/>
-              </a:lnSpc>
-              <a:spcBef>
-                <a:spcPct val="0"/>
-              </a:spcBef>
-              <a:spcAft>
-                <a:spcPct val="0"/>
-              </a:spcAft>
-              <a:buClrTx/>
-              <a:buSzTx/>
-              <a:buFontTx/>
-              <a:buNone/>
-              <a:tabLst/>
-            </a:pPr>
-            <a:r>
-              <a:rPr kumimoji="0" lang="fr-FR" altLang="fr-FR" sz="1800" b="0" i="0" u="none" strike="noStrike" cap="none" normalizeH="0" baseline="0" dirty="0">
-                <a:ln>
-                  <a:noFill/>
-                </a:ln>
-                <a:solidFill>
-                  <a:srgbClr val="000000"/>
-                </a:solidFill>
-                <a:effectLst/>
-                <a:latin typeface="Cambria" panose="02040503050406030204" pitchFamily="18" charset="0"/>
-                <a:ea typeface="Cambria" panose="02040503050406030204" pitchFamily="18" charset="0"/>
-              </a:rPr>
-              <a:t>obtenir plus d’informations sur un </a:t>
-            </a:r>
-            <a:endParaRPr kumimoji="0" lang="fr-FR" altLang="fr-FR" sz="1800" b="0" i="0" u="none" strike="noStrike" cap="none" normalizeH="0" baseline="0" dirty="0">
-              <a:ln>
-                <a:noFill/>
-              </a:ln>
-              <a:solidFill>
-                <a:schemeClr val="tx1"/>
-              </a:solidFill>
-              <a:effectLst/>
-              <a:latin typeface="Cambria" panose="02040503050406030204" pitchFamily="18" charset="0"/>
-              <a:ea typeface="Cambria" panose="02040503050406030204" pitchFamily="18" charset="0"/>
-            </a:endParaRPr>
-          </a:p>
-        </p:txBody>
-      </p:sp>
-      <p:sp>
-        <p:nvSpPr>
-          <p:cNvPr id="118" name="Rectangle 112">
-            <a:extLst>
-              <a:ext uri="{FF2B5EF4-FFF2-40B4-BE49-F238E27FC236}">
-                <a16:creationId xmlns:a16="http://schemas.microsoft.com/office/drawing/2014/main" id="{2282AC02-63C1-A289-E468-0D7B92EEC919}"/>
-              </a:ext>
-            </a:extLst>
-          </p:cNvPr>
-          <p:cNvSpPr>
-            <a:spLocks noChangeArrowheads="1"/>
-          </p:cNvSpPr>
-          <p:nvPr/>
-        </p:nvSpPr>
-        <p:spPr bwMode="auto">
-          <a:xfrm>
-            <a:off x="2954302" y="5332412"/>
-            <a:ext cx="3391634" cy="276999"/>
-          </a:xfrm>
-          <a:prstGeom prst="rect">
-            <a:avLst/>
-          </a:prstGeom>
-          <a:noFill/>
-          <a:ln>
-            <a:noFill/>
-          </a:ln>
-          <a:extLst>
-            <a:ext uri="{909E8E84-426E-40DD-AFC4-6F175D3DCCD1}">
-              <a14:hiddenFill xmlns:a14="http://schemas.microsoft.com/office/drawing/2010/main">
-                <a:solidFill>
-                  <a:srgbClr val="FFFFFF"/>
-                </a:solidFill>
-              </a14:hiddenFill>
-            </a:ext>
-            <a:ext uri="{91240B29-F687-4F45-9708-019B960494DF}">
-              <a14:hiddenLine xmlns:a14="http://schemas.microsoft.com/office/drawing/2010/main" w="9525">
-                <a:solidFill>
-                  <a:srgbClr val="000000"/>
-                </a:solidFill>
-                <a:miter lim="800000"/>
-                <a:headEnd/>
-                <a:tailEnd/>
-              </a14:hiddenLine>
-            </a:ext>
-          </a:extLst>
-        </p:spPr>
-        <p:txBody>
-          <a:bodyPr vert="horz" wrap="none" lIns="0" tIns="0" rIns="0" bIns="0" numCol="1" anchor="t" anchorCtr="0" compatLnSpc="1">
-            <a:prstTxWarp prst="textNoShape">
-              <a:avLst/>
-            </a:prstTxWarp>
-            <a:spAutoFit/>
-          </a:bodyPr>
-          <a:lstStyle>
-            <a:lvl1pPr eaLnBrk="0" fontAlgn="base" hangingPunct="0">
-              <a:spcBef>
-                <a:spcPct val="0"/>
-              </a:spcBef>
-              <a:spcAft>
-                <a:spcPct val="0"/>
-              </a:spcAft>
-              <a:defRPr>
-                <a:solidFill>
-                  <a:schemeClr val="tx1"/>
-                </a:solidFill>
-                <a:latin typeface="Arial" panose="020B0604020202020204" pitchFamily="34" charset="0"/>
-              </a:defRPr>
-            </a:lvl1pPr>
-            <a:lvl2pPr eaLnBrk="0" fontAlgn="base" hangingPunct="0">
-              <a:spcBef>
-                <a:spcPct val="0"/>
-              </a:spcBef>
-              <a:spcAft>
-                <a:spcPct val="0"/>
-              </a:spcAft>
-              <a:defRPr>
-                <a:solidFill>
-                  <a:schemeClr val="tx1"/>
-                </a:solidFill>
-                <a:latin typeface="Arial" panose="020B0604020202020204" pitchFamily="34" charset="0"/>
-              </a:defRPr>
-            </a:lvl2pPr>
-            <a:lvl3pPr eaLnBrk="0" fontAlgn="base" hangingPunct="0">
-              <a:spcBef>
-                <a:spcPct val="0"/>
-              </a:spcBef>
-              <a:spcAft>
-                <a:spcPct val="0"/>
-              </a:spcAft>
-              <a:defRPr>
-                <a:solidFill>
-                  <a:schemeClr val="tx1"/>
-                </a:solidFill>
-                <a:latin typeface="Arial" panose="020B0604020202020204" pitchFamily="34" charset="0"/>
-              </a:defRPr>
-            </a:lvl3pPr>
-            <a:lvl4pPr eaLnBrk="0" fontAlgn="base" hangingPunct="0">
-              <a:spcBef>
-                <a:spcPct val="0"/>
-              </a:spcBef>
-              <a:spcAft>
-                <a:spcPct val="0"/>
-              </a:spcAft>
-              <a:defRPr>
-                <a:solidFill>
-                  <a:schemeClr val="tx1"/>
-                </a:solidFill>
-                <a:latin typeface="Arial" panose="020B0604020202020204" pitchFamily="34" charset="0"/>
-              </a:defRPr>
-            </a:lvl4pPr>
-            <a:lvl5pPr eaLnBrk="0" fontAlgn="base" hangingPunct="0">
-              <a:spcBef>
-                <a:spcPct val="0"/>
-              </a:spcBef>
-              <a:spcAft>
-                <a:spcPct val="0"/>
-              </a:spcAft>
-              <a:defRPr>
-                <a:solidFill>
-                  <a:schemeClr val="tx1"/>
-                </a:solidFill>
-                <a:latin typeface="Arial" panose="020B0604020202020204" pitchFamily="34" charset="0"/>
-              </a:defRPr>
-            </a:lvl5pPr>
-            <a:lvl6pPr eaLnBrk="0" fontAlgn="base" hangingPunct="0">
-              <a:spcBef>
-                <a:spcPct val="0"/>
-              </a:spcBef>
-              <a:spcAft>
-                <a:spcPct val="0"/>
-              </a:spcAft>
-              <a:defRPr>
-                <a:solidFill>
-                  <a:schemeClr val="tx1"/>
-                </a:solidFill>
-                <a:latin typeface="Arial" panose="020B0604020202020204" pitchFamily="34" charset="0"/>
-              </a:defRPr>
-            </a:lvl6pPr>
-            <a:lvl7pPr eaLnBrk="0" fontAlgn="base" hangingPunct="0">
-              <a:spcBef>
-                <a:spcPct val="0"/>
-              </a:spcBef>
-              <a:spcAft>
-                <a:spcPct val="0"/>
-              </a:spcAft>
-              <a:defRPr>
-                <a:solidFill>
-                  <a:schemeClr val="tx1"/>
-                </a:solidFill>
-                <a:latin typeface="Arial" panose="020B0604020202020204" pitchFamily="34" charset="0"/>
-              </a:defRPr>
-            </a:lvl7pPr>
-            <a:lvl8pPr eaLnBrk="0" fontAlgn="base" hangingPunct="0">
-              <a:spcBef>
-                <a:spcPct val="0"/>
-              </a:spcBef>
-              <a:spcAft>
-                <a:spcPct val="0"/>
-              </a:spcAft>
-              <a:defRPr>
-                <a:solidFill>
-                  <a:schemeClr val="tx1"/>
-                </a:solidFill>
-                <a:latin typeface="Arial" panose="020B0604020202020204" pitchFamily="34" charset="0"/>
-              </a:defRPr>
-            </a:lvl8pPr>
-            <a:lvl9pPr eaLnBrk="0" fontAlgn="base" hangingPunct="0">
-              <a:spcBef>
-                <a:spcPct val="0"/>
-              </a:spcBef>
-              <a:spcAft>
-                <a:spcPct val="0"/>
-              </a:spcAft>
-              <a:defRPr>
-                <a:solidFill>
-                  <a:schemeClr val="tx1"/>
-                </a:solidFill>
-                <a:latin typeface="Arial" panose="020B0604020202020204" pitchFamily="34" charset="0"/>
-              </a:defRPr>
-            </a:lvl9pPr>
-          </a:lstStyle>
-          <a:p>
-            <a:pPr marL="0" marR="0" lvl="0" indent="0" algn="l" defTabSz="914400" rtl="0" eaLnBrk="0" fontAlgn="base" latinLnBrk="0" hangingPunct="0">
-              <a:lnSpc>
-                <a:spcPct val="100000"/>
-              </a:lnSpc>
-              <a:spcBef>
-                <a:spcPct val="0"/>
-              </a:spcBef>
-              <a:spcAft>
-                <a:spcPct val="0"/>
-              </a:spcAft>
-              <a:buClrTx/>
-              <a:buSzTx/>
-              <a:buFontTx/>
-              <a:buNone/>
-              <a:tabLst/>
-            </a:pPr>
-            <a:r>
-              <a:rPr kumimoji="0" lang="fr-FR" altLang="fr-FR" sz="1800" b="0" i="0" u="none" strike="noStrike" cap="none" normalizeH="0" baseline="0">
-                <a:ln>
-                  <a:noFill/>
-                </a:ln>
-                <a:solidFill>
-                  <a:srgbClr val="000000"/>
-                </a:solidFill>
-                <a:effectLst/>
-                <a:latin typeface="Cambria" panose="02040503050406030204" pitchFamily="18" charset="0"/>
-                <a:ea typeface="Cambria" panose="02040503050406030204" pitchFamily="18" charset="0"/>
-              </a:rPr>
-              <a:t>produit en vente ou les conditions </a:t>
-            </a:r>
-            <a:endParaRPr kumimoji="0" lang="fr-FR" altLang="fr-FR" sz="1800" b="0" i="0" u="none" strike="noStrike" cap="none" normalizeH="0" baseline="0">
-              <a:ln>
-                <a:noFill/>
-              </a:ln>
-              <a:solidFill>
-                <a:schemeClr val="tx1"/>
-              </a:solidFill>
-              <a:effectLst/>
-              <a:latin typeface="Cambria" panose="02040503050406030204" pitchFamily="18" charset="0"/>
-              <a:ea typeface="Cambria" panose="02040503050406030204" pitchFamily="18" charset="0"/>
-            </a:endParaRPr>
-          </a:p>
-        </p:txBody>
-      </p:sp>
-      <p:sp>
-        <p:nvSpPr>
-          <p:cNvPr id="119" name="Rectangle 113">
-            <a:extLst>
-              <a:ext uri="{FF2B5EF4-FFF2-40B4-BE49-F238E27FC236}">
-                <a16:creationId xmlns:a16="http://schemas.microsoft.com/office/drawing/2014/main" id="{8F9AA65F-179F-B25C-D0A0-682E6C22C518}"/>
-              </a:ext>
-            </a:extLst>
-          </p:cNvPr>
-          <p:cNvSpPr>
-            <a:spLocks noChangeArrowheads="1"/>
-          </p:cNvSpPr>
-          <p:nvPr/>
-        </p:nvSpPr>
-        <p:spPr bwMode="auto">
-          <a:xfrm>
-            <a:off x="2954302" y="5607050"/>
-            <a:ext cx="912109" cy="276999"/>
-          </a:xfrm>
-          <a:prstGeom prst="rect">
-            <a:avLst/>
-          </a:prstGeom>
-          <a:noFill/>
-          <a:ln>
-            <a:noFill/>
-          </a:ln>
-          <a:extLst>
-            <a:ext uri="{909E8E84-426E-40DD-AFC4-6F175D3DCCD1}">
-              <a14:hiddenFill xmlns:a14="http://schemas.microsoft.com/office/drawing/2010/main">
-                <a:solidFill>
-                  <a:srgbClr val="FFFFFF"/>
-                </a:solidFill>
-              </a14:hiddenFill>
-            </a:ext>
-            <a:ext uri="{91240B29-F687-4F45-9708-019B960494DF}">
-              <a14:hiddenLine xmlns:a14="http://schemas.microsoft.com/office/drawing/2010/main" w="9525">
-                <a:solidFill>
-                  <a:srgbClr val="000000"/>
-                </a:solidFill>
-                <a:miter lim="800000"/>
-                <a:headEnd/>
-                <a:tailEnd/>
-              </a14:hiddenLine>
-            </a:ext>
-          </a:extLst>
-        </p:spPr>
-        <p:txBody>
-          <a:bodyPr vert="horz" wrap="none" lIns="0" tIns="0" rIns="0" bIns="0" numCol="1" anchor="t" anchorCtr="0" compatLnSpc="1">
-            <a:prstTxWarp prst="textNoShape">
-              <a:avLst/>
-            </a:prstTxWarp>
-            <a:spAutoFit/>
-          </a:bodyPr>
-          <a:lstStyle>
-            <a:lvl1pPr eaLnBrk="0" fontAlgn="base" hangingPunct="0">
-              <a:spcBef>
-                <a:spcPct val="0"/>
-              </a:spcBef>
-              <a:spcAft>
-                <a:spcPct val="0"/>
-              </a:spcAft>
-              <a:defRPr>
-                <a:solidFill>
-                  <a:schemeClr val="tx1"/>
-                </a:solidFill>
-                <a:latin typeface="Arial" panose="020B0604020202020204" pitchFamily="34" charset="0"/>
-              </a:defRPr>
-            </a:lvl1pPr>
-            <a:lvl2pPr eaLnBrk="0" fontAlgn="base" hangingPunct="0">
-              <a:spcBef>
-                <a:spcPct val="0"/>
-              </a:spcBef>
-              <a:spcAft>
-                <a:spcPct val="0"/>
-              </a:spcAft>
-              <a:defRPr>
-                <a:solidFill>
-                  <a:schemeClr val="tx1"/>
-                </a:solidFill>
-                <a:latin typeface="Arial" panose="020B0604020202020204" pitchFamily="34" charset="0"/>
-              </a:defRPr>
-            </a:lvl2pPr>
-            <a:lvl3pPr eaLnBrk="0" fontAlgn="base" hangingPunct="0">
-              <a:spcBef>
-                <a:spcPct val="0"/>
-              </a:spcBef>
-              <a:spcAft>
-                <a:spcPct val="0"/>
-              </a:spcAft>
-              <a:defRPr>
-                <a:solidFill>
-                  <a:schemeClr val="tx1"/>
-                </a:solidFill>
-                <a:latin typeface="Arial" panose="020B0604020202020204" pitchFamily="34" charset="0"/>
-              </a:defRPr>
-            </a:lvl3pPr>
-            <a:lvl4pPr eaLnBrk="0" fontAlgn="base" hangingPunct="0">
-              <a:spcBef>
-                <a:spcPct val="0"/>
-              </a:spcBef>
-              <a:spcAft>
-                <a:spcPct val="0"/>
-              </a:spcAft>
-              <a:defRPr>
-                <a:solidFill>
-                  <a:schemeClr val="tx1"/>
-                </a:solidFill>
-                <a:latin typeface="Arial" panose="020B0604020202020204" pitchFamily="34" charset="0"/>
-              </a:defRPr>
-            </a:lvl4pPr>
-            <a:lvl5pPr eaLnBrk="0" fontAlgn="base" hangingPunct="0">
-              <a:spcBef>
-                <a:spcPct val="0"/>
-              </a:spcBef>
-              <a:spcAft>
-                <a:spcPct val="0"/>
-              </a:spcAft>
-              <a:defRPr>
-                <a:solidFill>
-                  <a:schemeClr val="tx1"/>
-                </a:solidFill>
-                <a:latin typeface="Arial" panose="020B0604020202020204" pitchFamily="34" charset="0"/>
-              </a:defRPr>
-            </a:lvl5pPr>
-            <a:lvl6pPr eaLnBrk="0" fontAlgn="base" hangingPunct="0">
-              <a:spcBef>
-                <a:spcPct val="0"/>
-              </a:spcBef>
-              <a:spcAft>
-                <a:spcPct val="0"/>
-              </a:spcAft>
-              <a:defRPr>
-                <a:solidFill>
-                  <a:schemeClr val="tx1"/>
-                </a:solidFill>
-                <a:latin typeface="Arial" panose="020B0604020202020204" pitchFamily="34" charset="0"/>
-              </a:defRPr>
-            </a:lvl6pPr>
-            <a:lvl7pPr eaLnBrk="0" fontAlgn="base" hangingPunct="0">
-              <a:spcBef>
-                <a:spcPct val="0"/>
-              </a:spcBef>
-              <a:spcAft>
-                <a:spcPct val="0"/>
-              </a:spcAft>
-              <a:defRPr>
-                <a:solidFill>
-                  <a:schemeClr val="tx1"/>
-                </a:solidFill>
-                <a:latin typeface="Arial" panose="020B0604020202020204" pitchFamily="34" charset="0"/>
-              </a:defRPr>
-            </a:lvl7pPr>
-            <a:lvl8pPr eaLnBrk="0" fontAlgn="base" hangingPunct="0">
-              <a:spcBef>
-                <a:spcPct val="0"/>
-              </a:spcBef>
-              <a:spcAft>
-                <a:spcPct val="0"/>
-              </a:spcAft>
-              <a:defRPr>
-                <a:solidFill>
-                  <a:schemeClr val="tx1"/>
-                </a:solidFill>
-                <a:latin typeface="Arial" panose="020B0604020202020204" pitchFamily="34" charset="0"/>
-              </a:defRPr>
-            </a:lvl8pPr>
-            <a:lvl9pPr eaLnBrk="0" fontAlgn="base" hangingPunct="0">
-              <a:spcBef>
-                <a:spcPct val="0"/>
-              </a:spcBef>
-              <a:spcAft>
-                <a:spcPct val="0"/>
-              </a:spcAft>
-              <a:defRPr>
-                <a:solidFill>
-                  <a:schemeClr val="tx1"/>
-                </a:solidFill>
-                <a:latin typeface="Arial" panose="020B0604020202020204" pitchFamily="34" charset="0"/>
-              </a:defRPr>
-            </a:lvl9pPr>
-          </a:lstStyle>
-          <a:p>
-            <a:pPr marL="0" marR="0" lvl="0" indent="0" algn="l" defTabSz="914400" rtl="0" eaLnBrk="0" fontAlgn="base" latinLnBrk="0" hangingPunct="0">
-              <a:lnSpc>
-                <a:spcPct val="100000"/>
-              </a:lnSpc>
-              <a:spcBef>
-                <a:spcPct val="0"/>
-              </a:spcBef>
-              <a:spcAft>
-                <a:spcPct val="0"/>
-              </a:spcAft>
-              <a:buClrTx/>
-              <a:buSzTx/>
-              <a:buFontTx/>
-              <a:buNone/>
-              <a:tabLst/>
-            </a:pPr>
-            <a:r>
-              <a:rPr kumimoji="0" lang="fr-FR" altLang="fr-FR" sz="1800" b="0" i="0" u="none" strike="noStrike" cap="none" normalizeH="0" baseline="0">
-                <a:ln>
-                  <a:noFill/>
-                </a:ln>
-                <a:solidFill>
-                  <a:srgbClr val="000000"/>
-                </a:solidFill>
-                <a:effectLst/>
-                <a:latin typeface="Cambria" panose="02040503050406030204" pitchFamily="18" charset="0"/>
-                <a:ea typeface="Cambria" panose="02040503050406030204" pitchFamily="18" charset="0"/>
-              </a:rPr>
-              <a:t>d’accueil </a:t>
-            </a:r>
-            <a:endParaRPr kumimoji="0" lang="fr-FR" altLang="fr-FR" sz="1800" b="0" i="0" u="none" strike="noStrike" cap="none" normalizeH="0" baseline="0">
               <a:ln>
                 <a:noFill/>
               </a:ln>
@@ -33007,7 +32329,7 @@
         <p:spPr bwMode="auto">
           <a:xfrm>
             <a:off x="3851920" y="5607050"/>
-            <a:ext cx="1855829" cy="276999"/>
+            <a:ext cx="65" cy="276999"/>
           </a:xfrm>
           <a:prstGeom prst="rect">
             <a:avLst/>
@@ -33188,20 +32510,6 @@
               <a:buNone/>
               <a:tabLst/>
             </a:pPr>
-            <a:r>
-              <a:rPr kumimoji="0" lang="fr-FR" altLang="fr-FR" sz="1800" b="0" i="0" u="none" strike="noStrike" cap="none" normalizeH="0" baseline="0" dirty="0">
-                <a:ln>
-                  <a:noFill/>
-                </a:ln>
-                <a:solidFill>
-                  <a:srgbClr val="000000"/>
-                </a:solidFill>
-                <a:effectLst/>
-                <a:latin typeface="Cambria" panose="02040503050406030204" pitchFamily="18" charset="0"/>
-                <a:ea typeface="Cambria" panose="02040503050406030204" pitchFamily="18" charset="0"/>
-              </a:rPr>
-              <a:t>pour une cueillette</a:t>
-            </a:r>
             <a:endParaRPr kumimoji="0" lang="fr-FR" altLang="fr-FR" sz="1800" b="0" i="0" u="none" strike="noStrike" cap="none" normalizeH="0" baseline="0" dirty="0">
               <a:ln>
                 <a:noFill/>
@@ -33924,10 +33232,15 @@
                                 </p:cTn>
                               </p:par>
                               <p:par>
-                                <p:cTn id="55" presetID="1" presetClass="entr" presetSubtype="0" fill="hold" grpId="0" nodeType="withEffect">
+                                <p:cTn id="55" presetID="1" presetClass="entr" presetSubtype="0" fill="hold" grpId="0" nodeType="withEffect" nodePh="1">
                                   <p:stCondLst>
                                     <p:cond delay="0"/>
                                   </p:stCondLst>
+                                  <p:endCondLst>
+                                    <p:cond evt="begin" delay="0">
+                                      <p:tn val="55"/>
+                                    </p:cond>
+                                  </p:endCondLst>
                                   <p:childTnLst>
                                     <p:set>
                                       <p:cBhvr>
@@ -33937,88 +33250,7 @@
                                           </p:stCondLst>
                                         </p:cTn>
                                         <p:tgtEl>
-                                          <p:spTgt spid="117"/>
-                                        </p:tgtEl>
-                                        <p:attrNameLst>
-                                          <p:attrName>style.visibility</p:attrName>
-                                        </p:attrNameLst>
-                                      </p:cBhvr>
-                                      <p:to>
-                                        <p:strVal val="visible"/>
-                                      </p:to>
-                                    </p:set>
-                                  </p:childTnLst>
-                                </p:cTn>
-                              </p:par>
-                              <p:par>
-                                <p:cTn id="57" presetID="1" presetClass="entr" presetSubtype="0" fill="hold" grpId="0" nodeType="withEffect">
-                                  <p:stCondLst>
-                                    <p:cond delay="0"/>
-                                  </p:stCondLst>
-                                  <p:childTnLst>
-                                    <p:set>
-                                      <p:cBhvr>
-                                        <p:cTn id="58" dur="1" fill="hold">
-                                          <p:stCondLst>
-                                            <p:cond delay="0"/>
-                                          </p:stCondLst>
-                                        </p:cTn>
-                                        <p:tgtEl>
-                                          <p:spTgt spid="118"/>
-                                        </p:tgtEl>
-                                        <p:attrNameLst>
-                                          <p:attrName>style.visibility</p:attrName>
-                                        </p:attrNameLst>
-                                      </p:cBhvr>
-                                      <p:to>
-                                        <p:strVal val="visible"/>
-                                      </p:to>
-                                    </p:set>
-                                  </p:childTnLst>
-                                </p:cTn>
-                              </p:par>
-                              <p:par>
-                                <p:cTn id="59" presetID="1" presetClass="entr" presetSubtype="0" fill="hold" grpId="0" nodeType="withEffect">
-                                  <p:stCondLst>
-                                    <p:cond delay="0"/>
-                                  </p:stCondLst>
-                                  <p:childTnLst>
-                                    <p:set>
-                                      <p:cBhvr>
-                                        <p:cTn id="60" dur="1" fill="hold">
-                                          <p:stCondLst>
-                                            <p:cond delay="0"/>
-                                          </p:stCondLst>
-                                        </p:cTn>
-                                        <p:tgtEl>
                                           <p:spTgt spid="120"/>
-                                        </p:tgtEl>
-                                        <p:attrNameLst>
-                                          <p:attrName>style.visibility</p:attrName>
-                                        </p:attrNameLst>
-                                      </p:cBhvr>
-                                      <p:to>
-                                        <p:strVal val="visible"/>
-                                      </p:to>
-                                    </p:set>
-                                  </p:childTnLst>
-                                </p:cTn>
-                              </p:par>
-                              <p:par>
-                                <p:cTn id="61" presetID="1" presetClass="entr" presetSubtype="0" fill="hold" grpId="0" nodeType="withEffect">
-                                  <p:stCondLst>
-                                    <p:cond delay="0"/>
-                                  </p:stCondLst>
-                                  <p:childTnLst>
-                                    <p:set>
-                                      <p:cBhvr>
-                                        <p:cTn id="62" dur="1" fill="hold">
-                                          <p:stCondLst>
-                                            <p:cond delay="0"/>
-                                          </p:stCondLst>
-                                        </p:cTn>
-                                        <p:tgtEl>
-                                          <p:spTgt spid="119"/>
                                         </p:tgtEl>
                                         <p:attrNameLst>
                                           <p:attrName>style.visibility</p:attrName>
@@ -34081,9 +33313,6 @@
       <p:bldP spid="114" grpId="0"/>
       <p:bldP spid="115" grpId="0"/>
       <p:bldP spid="116" grpId="0"/>
-      <p:bldP spid="117" grpId="0"/>
-      <p:bldP spid="118" grpId="0"/>
-      <p:bldP spid="119" grpId="0"/>
       <p:bldP spid="120" grpId="0"/>
     </p:bldLst>
   </p:timing>
@@ -36013,7 +35242,7 @@
         <p:spPr bwMode="auto">
           <a:xfrm>
             <a:off x="442913" y="2798763"/>
-            <a:ext cx="2160588" cy="319088"/>
+            <a:ext cx="2090765" cy="276999"/>
           </a:xfrm>
           <a:prstGeom prst="rect">
             <a:avLst/>
@@ -36205,7 +35434,7 @@
                 <a:effectLst/>
                 <a:latin typeface="Cambria" panose="02040503050406030204" pitchFamily="18" charset="0"/>
               </a:rPr>
-              <a:t>Etape 5 :Ajout d’une </a:t>
+              <a:t>Etape 5 : Ajout d’une </a:t>
             </a:r>
             <a:endParaRPr kumimoji="0" lang="fr-FR" altLang="fr-FR" sz="1800" b="0" i="0" u="none" strike="noStrike" cap="none" normalizeH="0" baseline="0" dirty="0">
               <a:ln>
@@ -40574,8 +39803,8 @@
         </p:nvSpPr>
         <p:spPr>
           <a:xfrm>
-            <a:off x="6012160" y="6237312"/>
-            <a:ext cx="2952328" cy="276999"/>
+            <a:off x="5364088" y="6381328"/>
+            <a:ext cx="3600400" cy="276999"/>
           </a:xfrm>
           <a:prstGeom prst="rect">
             <a:avLst/>
@@ -40590,7 +39819,15 @@
           <a:p>
             <a:r>
               <a:rPr lang="fr-FR" sz="1200" dirty="0"/>
-              <a:t>ADEME, France Environnement, 2016</a:t>
+              <a:t>ADEME, France Environnement </a:t>
+            </a:r>
+            <a:r>
+              <a:rPr lang="fr-FR" sz="1200" dirty="0" err="1"/>
+              <a:t>Verdicité</a:t>
+            </a:r>
+            <a:r>
+              <a:rPr lang="fr-FR" sz="1200" dirty="0"/>
+              <a:t>, 2016</a:t>
             </a:r>
           </a:p>
         </p:txBody>
